--- a/final_project.pptx
+++ b/final_project.pptx
@@ -7344,8 +7344,18 @@
           </a:p>
           <a:p>
             <a:r>
+              <a:rPr lang="en-US" dirty="0" smtClean="0"/>
+              <a:t>Less consumer</a:t>
+            </a:r>
+          </a:p>
+          <a:p>
+            <a:r>
+              <a:rPr lang="en-US"/>
+              <a:t>L</a:t>
+            </a:r>
+            <a:r>
               <a:rPr lang="en-US" smtClean="0"/>
-              <a:t>Less consumer, less money</a:t>
+              <a:t>ess income</a:t>
             </a:r>
             <a:endParaRPr lang="en-US" dirty="0" smtClean="0"/>
           </a:p>
@@ -7486,6 +7496,67 @@
                                           <p:spTgt spid="3">
                                             <p:txEl>
                                               <p:pRg st="1" end="1"/>
+                                            </p:txEl>
+                                          </p:spTgt>
+                                        </p:tgtEl>
+                                      </p:cBhvr>
+                                    </p:animEffect>
+                                  </p:childTnLst>
+                                </p:cTn>
+                              </p:par>
+                            </p:childTnLst>
+                          </p:cTn>
+                        </p:par>
+                      </p:childTnLst>
+                    </p:cTn>
+                  </p:par>
+                  <p:par>
+                    <p:cTn id="13" fill="hold">
+                      <p:stCondLst>
+                        <p:cond delay="indefinite"/>
+                      </p:stCondLst>
+                      <p:childTnLst>
+                        <p:par>
+                          <p:cTn id="14" fill="hold">
+                            <p:stCondLst>
+                              <p:cond delay="0"/>
+                            </p:stCondLst>
+                            <p:childTnLst>
+                              <p:par>
+                                <p:cTn id="15" presetID="9" presetClass="entr" presetSubtype="0" fill="hold" grpId="0" nodeType="clickEffect">
+                                  <p:stCondLst>
+                                    <p:cond delay="0"/>
+                                  </p:stCondLst>
+                                  <p:childTnLst>
+                                    <p:set>
+                                      <p:cBhvr>
+                                        <p:cTn id="16" dur="1" fill="hold">
+                                          <p:stCondLst>
+                                            <p:cond delay="0"/>
+                                          </p:stCondLst>
+                                        </p:cTn>
+                                        <p:tgtEl>
+                                          <p:spTgt spid="3">
+                                            <p:txEl>
+                                              <p:pRg st="2" end="2"/>
+                                            </p:txEl>
+                                          </p:spTgt>
+                                        </p:tgtEl>
+                                        <p:attrNameLst>
+                                          <p:attrName>style.visibility</p:attrName>
+                                        </p:attrNameLst>
+                                      </p:cBhvr>
+                                      <p:to>
+                                        <p:strVal val="visible"/>
+                                      </p:to>
+                                    </p:set>
+                                    <p:animEffect transition="in" filter="dissolve">
+                                      <p:cBhvr>
+                                        <p:cTn id="17" dur="500"/>
+                                        <p:tgtEl>
+                                          <p:spTgt spid="3">
+                                            <p:txEl>
+                                              <p:pRg st="2" end="2"/>
                                             </p:txEl>
                                           </p:spTgt>
                                         </p:tgtEl>

--- a/final_project.pptx
+++ b/final_project.pptx
@@ -13,12 +13,14 @@
     <p:sldId id="268" r:id="rId7"/>
     <p:sldId id="269" r:id="rId8"/>
     <p:sldId id="265" r:id="rId9"/>
-    <p:sldId id="260" r:id="rId10"/>
-    <p:sldId id="261" r:id="rId11"/>
-    <p:sldId id="262" r:id="rId12"/>
-    <p:sldId id="263" r:id="rId13"/>
-    <p:sldId id="264" r:id="rId14"/>
-    <p:sldId id="266" r:id="rId15"/>
+    <p:sldId id="271" r:id="rId10"/>
+    <p:sldId id="270" r:id="rId11"/>
+    <p:sldId id="260" r:id="rId12"/>
+    <p:sldId id="261" r:id="rId13"/>
+    <p:sldId id="262" r:id="rId14"/>
+    <p:sldId id="263" r:id="rId15"/>
+    <p:sldId id="264" r:id="rId16"/>
+    <p:sldId id="266" r:id="rId17"/>
   </p:sldIdLst>
   <p:sldSz cx="12192000" cy="6858000"/>
   <p:notesSz cx="6858000" cy="9144000"/>
@@ -6246,6 +6248,346 @@
             <p:ph type="title"/>
           </p:nvPr>
         </p:nvSpPr>
+        <p:spPr/>
+        <p:txBody>
+          <a:bodyPr/>
+          <a:lstStyle/>
+          <a:p>
+            <a:r>
+              <a:rPr lang="en-US" dirty="0" smtClean="0"/>
+              <a:t>Apps Objectives</a:t>
+            </a:r>
+            <a:endParaRPr lang="en-US" dirty="0"/>
+          </a:p>
+        </p:txBody>
+      </p:sp>
+      <p:sp>
+        <p:nvSpPr>
+          <p:cNvPr id="3" name="Content Placeholder 2"/>
+          <p:cNvSpPr>
+            <a:spLocks noGrp="1"/>
+          </p:cNvSpPr>
+          <p:nvPr>
+            <p:ph idx="1"/>
+          </p:nvPr>
+        </p:nvSpPr>
+        <p:spPr/>
+        <p:txBody>
+          <a:bodyPr/>
+          <a:lstStyle/>
+          <a:p>
+            <a:endParaRPr lang="en-US" dirty="0" smtClean="0"/>
+          </a:p>
+          <a:p>
+            <a:r>
+              <a:rPr lang="en-US" dirty="0" smtClean="0"/>
+              <a:t>View churning related statistics -&gt; help understand pattern</a:t>
+            </a:r>
+          </a:p>
+          <a:p>
+            <a:r>
+              <a:rPr lang="en-US" dirty="0" smtClean="0"/>
+              <a:t>Predict future churn outcome given customer’s monthly usage</a:t>
+            </a:r>
+          </a:p>
+          <a:p>
+            <a:pPr marL="0" indent="0">
+              <a:buNone/>
+            </a:pPr>
+            <a:endParaRPr lang="en-US" dirty="0" smtClean="0"/>
+          </a:p>
+          <a:p>
+            <a:pPr marL="0" indent="0">
+              <a:buNone/>
+            </a:pPr>
+            <a:endParaRPr lang="en-US" dirty="0"/>
+          </a:p>
+        </p:txBody>
+      </p:sp>
+    </p:spTree>
+    <p:extLst>
+      <p:ext uri="{BB962C8B-B14F-4D97-AF65-F5344CB8AC3E}">
+        <p14:creationId xmlns:p14="http://schemas.microsoft.com/office/powerpoint/2010/main" val="885470002"/>
+      </p:ext>
+    </p:extLst>
+  </p:cSld>
+  <p:clrMapOvr>
+    <a:masterClrMapping/>
+  </p:clrMapOvr>
+  <p:timing>
+    <p:tnLst>
+      <p:par>
+        <p:cTn id="1" dur="indefinite" restart="never" nodeType="tmRoot">
+          <p:childTnLst>
+            <p:seq concurrent="1" nextAc="seek">
+              <p:cTn id="2" dur="indefinite" nodeType="mainSeq">
+                <p:childTnLst>
+                  <p:par>
+                    <p:cTn id="3" fill="hold">
+                      <p:stCondLst>
+                        <p:cond delay="indefinite"/>
+                      </p:stCondLst>
+                      <p:childTnLst>
+                        <p:par>
+                          <p:cTn id="4" fill="hold">
+                            <p:stCondLst>
+                              <p:cond delay="0"/>
+                            </p:stCondLst>
+                            <p:childTnLst>
+                              <p:par>
+                                <p:cTn id="5" presetID="9" presetClass="entr" presetSubtype="0" fill="hold" grpId="0" nodeType="clickEffect">
+                                  <p:stCondLst>
+                                    <p:cond delay="0"/>
+                                  </p:stCondLst>
+                                  <p:childTnLst>
+                                    <p:set>
+                                      <p:cBhvr>
+                                        <p:cTn id="6" dur="1" fill="hold">
+                                          <p:stCondLst>
+                                            <p:cond delay="0"/>
+                                          </p:stCondLst>
+                                        </p:cTn>
+                                        <p:tgtEl>
+                                          <p:spTgt spid="3">
+                                            <p:txEl>
+                                              <p:pRg st="1" end="1"/>
+                                            </p:txEl>
+                                          </p:spTgt>
+                                        </p:tgtEl>
+                                        <p:attrNameLst>
+                                          <p:attrName>style.visibility</p:attrName>
+                                        </p:attrNameLst>
+                                      </p:cBhvr>
+                                      <p:to>
+                                        <p:strVal val="visible"/>
+                                      </p:to>
+                                    </p:set>
+                                    <p:animEffect transition="in" filter="dissolve">
+                                      <p:cBhvr>
+                                        <p:cTn id="7" dur="500"/>
+                                        <p:tgtEl>
+                                          <p:spTgt spid="3">
+                                            <p:txEl>
+                                              <p:pRg st="1" end="1"/>
+                                            </p:txEl>
+                                          </p:spTgt>
+                                        </p:tgtEl>
+                                      </p:cBhvr>
+                                    </p:animEffect>
+                                  </p:childTnLst>
+                                </p:cTn>
+                              </p:par>
+                            </p:childTnLst>
+                          </p:cTn>
+                        </p:par>
+                      </p:childTnLst>
+                    </p:cTn>
+                  </p:par>
+                  <p:par>
+                    <p:cTn id="8" fill="hold">
+                      <p:stCondLst>
+                        <p:cond delay="indefinite"/>
+                      </p:stCondLst>
+                      <p:childTnLst>
+                        <p:par>
+                          <p:cTn id="9" fill="hold">
+                            <p:stCondLst>
+                              <p:cond delay="0"/>
+                            </p:stCondLst>
+                            <p:childTnLst>
+                              <p:par>
+                                <p:cTn id="10" presetID="9" presetClass="entr" presetSubtype="0" fill="hold" grpId="0" nodeType="clickEffect">
+                                  <p:stCondLst>
+                                    <p:cond delay="0"/>
+                                  </p:stCondLst>
+                                  <p:childTnLst>
+                                    <p:set>
+                                      <p:cBhvr>
+                                        <p:cTn id="11" dur="1" fill="hold">
+                                          <p:stCondLst>
+                                            <p:cond delay="0"/>
+                                          </p:stCondLst>
+                                        </p:cTn>
+                                        <p:tgtEl>
+                                          <p:spTgt spid="3">
+                                            <p:txEl>
+                                              <p:pRg st="2" end="2"/>
+                                            </p:txEl>
+                                          </p:spTgt>
+                                        </p:tgtEl>
+                                        <p:attrNameLst>
+                                          <p:attrName>style.visibility</p:attrName>
+                                        </p:attrNameLst>
+                                      </p:cBhvr>
+                                      <p:to>
+                                        <p:strVal val="visible"/>
+                                      </p:to>
+                                    </p:set>
+                                    <p:animEffect transition="in" filter="dissolve">
+                                      <p:cBhvr>
+                                        <p:cTn id="12" dur="500"/>
+                                        <p:tgtEl>
+                                          <p:spTgt spid="3">
+                                            <p:txEl>
+                                              <p:pRg st="2" end="2"/>
+                                            </p:txEl>
+                                          </p:spTgt>
+                                        </p:tgtEl>
+                                      </p:cBhvr>
+                                    </p:animEffect>
+                                  </p:childTnLst>
+                                </p:cTn>
+                              </p:par>
+                            </p:childTnLst>
+                          </p:cTn>
+                        </p:par>
+                      </p:childTnLst>
+                    </p:cTn>
+                  </p:par>
+                </p:childTnLst>
+              </p:cTn>
+              <p:prevCondLst>
+                <p:cond evt="onPrev" delay="0">
+                  <p:tgtEl>
+                    <p:sldTgt/>
+                  </p:tgtEl>
+                </p:cond>
+              </p:prevCondLst>
+              <p:nextCondLst>
+                <p:cond evt="onNext" delay="0">
+                  <p:tgtEl>
+                    <p:sldTgt/>
+                  </p:tgtEl>
+                </p:cond>
+              </p:nextCondLst>
+            </p:seq>
+          </p:childTnLst>
+        </p:cTn>
+      </p:par>
+    </p:tnLst>
+    <p:bldLst>
+      <p:bldP spid="3" grpId="0" build="p"/>
+    </p:bldLst>
+  </p:timing>
+</p:sld>
+</file>
+
+<file path=ppt/slides/slide11.xml><?xml version="1.0" encoding="utf-8"?>
+<p:sld xmlns:a="http://schemas.openxmlformats.org/drawingml/2006/main" xmlns:r="http://schemas.openxmlformats.org/officeDocument/2006/relationships" xmlns:p="http://schemas.openxmlformats.org/presentationml/2006/main">
+  <p:cSld>
+    <p:spTree>
+      <p:nvGrpSpPr>
+        <p:cNvPr id="1" name=""/>
+        <p:cNvGrpSpPr/>
+        <p:nvPr/>
+      </p:nvGrpSpPr>
+      <p:grpSpPr>
+        <a:xfrm>
+          <a:off x="0" y="0"/>
+          <a:ext cx="0" cy="0"/>
+          <a:chOff x="0" y="0"/>
+          <a:chExt cx="0" cy="0"/>
+        </a:xfrm>
+      </p:grpSpPr>
+      <p:sp>
+        <p:nvSpPr>
+          <p:cNvPr id="2" name="Title 1"/>
+          <p:cNvSpPr>
+            <a:spLocks noGrp="1"/>
+          </p:cNvSpPr>
+          <p:nvPr>
+            <p:ph type="title"/>
+          </p:nvPr>
+        </p:nvSpPr>
+        <p:spPr/>
+        <p:txBody>
+          <a:bodyPr/>
+          <a:lstStyle/>
+          <a:p>
+            <a:r>
+              <a:rPr lang="en-US" dirty="0" smtClean="0"/>
+              <a:t>Home Page</a:t>
+            </a:r>
+            <a:endParaRPr lang="en-US" dirty="0"/>
+          </a:p>
+        </p:txBody>
+      </p:sp>
+      <p:pic>
+        <p:nvPicPr>
+          <p:cNvPr id="4" name="Content Placeholder 3"/>
+          <p:cNvPicPr>
+            <a:picLocks noGrp="1" noChangeAspect="1"/>
+          </p:cNvPicPr>
+          <p:nvPr>
+            <p:ph idx="1"/>
+          </p:nvPr>
+        </p:nvPicPr>
+        <p:blipFill>
+          <a:blip r:embed="rId2">
+            <a:extLst>
+              <a:ext uri="{28A0092B-C50C-407E-A947-70E740481C1C}">
+                <a14:useLocalDpi xmlns:a14="http://schemas.microsoft.com/office/drawing/2010/main" val="0"/>
+              </a:ext>
+            </a:extLst>
+          </a:blip>
+          <a:stretch>
+            <a:fillRect/>
+          </a:stretch>
+        </p:blipFill>
+        <p:spPr>
+          <a:xfrm>
+            <a:off x="2836472" y="2438399"/>
+            <a:ext cx="7543780" cy="3443514"/>
+          </a:xfrm>
+        </p:spPr>
+      </p:pic>
+    </p:spTree>
+    <p:extLst>
+      <p:ext uri="{BB962C8B-B14F-4D97-AF65-F5344CB8AC3E}">
+        <p14:creationId xmlns:p14="http://schemas.microsoft.com/office/powerpoint/2010/main" val="2127603757"/>
+      </p:ext>
+    </p:extLst>
+  </p:cSld>
+  <p:clrMapOvr>
+    <a:masterClrMapping/>
+  </p:clrMapOvr>
+  <p:timing>
+    <p:tnLst>
+      <p:par>
+        <p:cTn id="1" dur="indefinite" restart="never" nodeType="tmRoot"/>
+      </p:par>
+    </p:tnLst>
+  </p:timing>
+</p:sld>
+</file>
+
+<file path=ppt/slides/slide12.xml><?xml version="1.0" encoding="utf-8"?>
+<p:sld xmlns:a="http://schemas.openxmlformats.org/drawingml/2006/main" xmlns:r="http://schemas.openxmlformats.org/officeDocument/2006/relationships" xmlns:p="http://schemas.openxmlformats.org/presentationml/2006/main">
+  <p:cSld>
+    <p:spTree>
+      <p:nvGrpSpPr>
+        <p:cNvPr id="1" name=""/>
+        <p:cNvGrpSpPr/>
+        <p:nvPr/>
+      </p:nvGrpSpPr>
+      <p:grpSpPr>
+        <a:xfrm>
+          <a:off x="0" y="0"/>
+          <a:ext cx="0" cy="0"/>
+          <a:chOff x="0" y="0"/>
+          <a:chExt cx="0" cy="0"/>
+        </a:xfrm>
+      </p:grpSpPr>
+      <p:sp>
+        <p:nvSpPr>
+          <p:cNvPr id="2" name="Title 1"/>
+          <p:cNvSpPr>
+            <a:spLocks noGrp="1"/>
+          </p:cNvSpPr>
+          <p:nvPr>
+            <p:ph type="title"/>
+          </p:nvPr>
+        </p:nvSpPr>
         <p:spPr>
           <a:xfrm>
             <a:off x="-1897518" y="351972"/>
@@ -6313,7 +6655,7 @@
 </p:sld>
 </file>
 
-<file path=ppt/slides/slide11.xml><?xml version="1.0" encoding="utf-8"?>
+<file path=ppt/slides/slide13.xml><?xml version="1.0" encoding="utf-8"?>
 <p:sld xmlns:a="http://schemas.openxmlformats.org/drawingml/2006/main" xmlns:r="http://schemas.openxmlformats.org/officeDocument/2006/relationships" xmlns:p="http://schemas.openxmlformats.org/presentationml/2006/main">
   <p:cSld>
     <p:spTree>
@@ -6407,7 +6749,7 @@
 </p:sld>
 </file>
 
-<file path=ppt/slides/slide12.xml><?xml version="1.0" encoding="utf-8"?>
+<file path=ppt/slides/slide14.xml><?xml version="1.0" encoding="utf-8"?>
 <p:sld xmlns:a="http://schemas.openxmlformats.org/drawingml/2006/main" xmlns:r="http://schemas.openxmlformats.org/officeDocument/2006/relationships" xmlns:p="http://schemas.openxmlformats.org/presentationml/2006/main">
   <p:cSld>
     <p:spTree>
@@ -6492,7 +6834,7 @@
 </p:sld>
 </file>
 
-<file path=ppt/slides/slide13.xml><?xml version="1.0" encoding="utf-8"?>
+<file path=ppt/slides/slide15.xml><?xml version="1.0" encoding="utf-8"?>
 <p:sld xmlns:a="http://schemas.openxmlformats.org/drawingml/2006/main" xmlns:r="http://schemas.openxmlformats.org/officeDocument/2006/relationships" xmlns:p="http://schemas.openxmlformats.org/presentationml/2006/main">
   <p:cSld>
     <p:spTree>
@@ -6586,7 +6928,7 @@
 </p:sld>
 </file>
 
-<file path=ppt/slides/slide14.xml><?xml version="1.0" encoding="utf-8"?>
+<file path=ppt/slides/slide16.xml><?xml version="1.0" encoding="utf-8"?>
 <p:sld xmlns:a="http://schemas.openxmlformats.org/drawingml/2006/main" xmlns:r="http://schemas.openxmlformats.org/officeDocument/2006/relationships" xmlns:p="http://schemas.openxmlformats.org/presentationml/2006/main">
   <p:cSld>
     <p:spTree>
@@ -7350,14 +7692,13 @@
           </a:p>
           <a:p>
             <a:r>
-              <a:rPr lang="en-US"/>
+              <a:rPr lang="en-US" dirty="0"/>
               <a:t>L</a:t>
             </a:r>
             <a:r>
-              <a:rPr lang="en-US" smtClean="0"/>
+              <a:rPr lang="en-US" dirty="0" smtClean="0"/>
               <a:t>ess income</a:t>
             </a:r>
-            <a:endParaRPr lang="en-US" dirty="0" smtClean="0"/>
           </a:p>
           <a:p>
             <a:endParaRPr lang="en-US" dirty="0"/>
@@ -7975,7 +8316,7 @@
                             </p:stCondLst>
                             <p:childTnLst>
                               <p:par>
-                                <p:cTn id="5" presetID="5" presetClass="entr" presetSubtype="10" fill="hold" nodeType="clickEffect">
+                                <p:cTn id="5" presetID="9" presetClass="entr" presetSubtype="0" fill="hold" grpId="0" nodeType="clickEffect">
                                   <p:stCondLst>
                                     <p:cond delay="0"/>
                                   </p:stCondLst>
@@ -7983,6 +8324,59 @@
                                     <p:set>
                                       <p:cBhvr>
                                         <p:cTn id="6" dur="1" fill="hold">
+                                          <p:stCondLst>
+                                            <p:cond delay="0"/>
+                                          </p:stCondLst>
+                                        </p:cTn>
+                                        <p:tgtEl>
+                                          <p:spTgt spid="2"/>
+                                        </p:tgtEl>
+                                        <p:attrNameLst>
+                                          <p:attrName>style.visibility</p:attrName>
+                                        </p:attrNameLst>
+                                      </p:cBhvr>
+                                      <p:to>
+                                        <p:strVal val="visible"/>
+                                      </p:to>
+                                    </p:set>
+                                    <p:animEffect transition="in" filter="dissolve">
+                                      <p:cBhvr>
+                                        <p:cTn id="7" dur="500"/>
+                                        <p:tgtEl>
+                                          <p:spTgt spid="2"/>
+                                        </p:tgtEl>
+                                      </p:cBhvr>
+                                    </p:animEffect>
+                                  </p:childTnLst>
+                                </p:cTn>
+                              </p:par>
+                            </p:childTnLst>
+                          </p:cTn>
+                        </p:par>
+                      </p:childTnLst>
+                    </p:cTn>
+                  </p:par>
+                  <p:par>
+                    <p:cTn id="8" fill="hold">
+                      <p:stCondLst>
+                        <p:cond delay="indefinite"/>
+                      </p:stCondLst>
+                      <p:childTnLst>
+                        <p:par>
+                          <p:cTn id="9" fill="hold">
+                            <p:stCondLst>
+                              <p:cond delay="0"/>
+                            </p:stCondLst>
+                            <p:childTnLst>
+                              <p:par>
+                                <p:cTn id="10" presetID="5" presetClass="entr" presetSubtype="10" fill="hold" nodeType="clickEffect">
+                                  <p:stCondLst>
+                                    <p:cond delay="0"/>
+                                  </p:stCondLst>
+                                  <p:childTnLst>
+                                    <p:set>
+                                      <p:cBhvr>
+                                        <p:cTn id="11" dur="1" fill="hold">
                                           <p:stCondLst>
                                             <p:cond delay="0"/>
                                           </p:stCondLst>
@@ -8000,7 +8394,7 @@
                                     </p:set>
                                     <p:animEffect transition="in" filter="checkerboard(across)">
                                       <p:cBhvr>
-                                        <p:cTn id="7" dur="500"/>
+                                        <p:cTn id="12" dur="500"/>
                                         <p:tgtEl>
                                           <p:spTgt spid="4"/>
                                         </p:tgtEl>
@@ -8036,6 +8430,9 @@
         </p:cTn>
       </p:par>
     </p:tnLst>
+    <p:bldLst>
+      <p:bldP spid="2" grpId="0"/>
+    </p:bldLst>
   </p:timing>
 </p:sld>
 </file>
@@ -8475,7 +8872,7 @@
           <a:p>
             <a:r>
               <a:rPr lang="en-US" dirty="0" smtClean="0"/>
-              <a:t>But there is a solution !!!!</a:t>
+              <a:t>We provide a solution !!!!</a:t>
             </a:r>
             <a:endParaRPr lang="en-US" dirty="0"/>
           </a:p>
@@ -8512,10 +8909,13 @@
                             </p:stCondLst>
                             <p:childTnLst>
                               <p:par>
-                                <p:cTn id="5" presetID="19" presetClass="entr" presetSubtype="10" fill="hold" grpId="0" nodeType="clickEffect">
+                                <p:cTn id="5" presetID="35" presetClass="entr" presetSubtype="0" fill="hold" grpId="1" nodeType="clickEffect">
                                   <p:stCondLst>
                                     <p:cond delay="0"/>
                                   </p:stCondLst>
+                                  <p:iterate type="lt">
+                                    <p:tmPct val="0"/>
+                                  </p:iterate>
                                   <p:childTnLst>
                                     <p:set>
                                       <p:cBhvr>
@@ -8535,32 +8935,40 @@
                                         <p:strVal val="visible"/>
                                       </p:to>
                                     </p:set>
+                                    <p:animEffect transition="in" filter="fade">
+                                      <p:cBhvr>
+                                        <p:cTn id="7" dur="2000"/>
+                                        <p:tgtEl>
+                                          <p:spTgt spid="2"/>
+                                        </p:tgtEl>
+                                      </p:cBhvr>
+                                    </p:animEffect>
                                     <p:anim calcmode="lin" valueType="num">
                                       <p:cBhvr>
-                                        <p:cTn id="7" dur="5000" fill="hold"/>
+                                        <p:cTn id="8" dur="2000" fill="hold"/>
                                         <p:tgtEl>
                                           <p:spTgt spid="2"/>
                                         </p:tgtEl>
                                         <p:attrNameLst>
-                                          <p:attrName>ppt_w</p:attrName>
+                                          <p:attrName>style.rotation</p:attrName>
                                         </p:attrNameLst>
                                       </p:cBhvr>
                                       <p:tavLst>
-                                        <p:tav tm="0" fmla="#ppt_w*sin(2.5*pi*$)">
+                                        <p:tav tm="0">
                                           <p:val>
-                                            <p:fltVal val="0"/>
+                                            <p:fltVal val="720"/>
                                           </p:val>
                                         </p:tav>
                                         <p:tav tm="100000">
                                           <p:val>
-                                            <p:fltVal val="1"/>
+                                            <p:fltVal val="0"/>
                                           </p:val>
                                         </p:tav>
                                       </p:tavLst>
                                     </p:anim>
                                     <p:anim calcmode="lin" valueType="num">
                                       <p:cBhvr>
-                                        <p:cTn id="8" dur="5000" fill="hold"/>
+                                        <p:cTn id="9" dur="2000" fill="hold"/>
                                         <p:tgtEl>
                                           <p:spTgt spid="2"/>
                                         </p:tgtEl>
@@ -8571,12 +8979,35 @@
                                       <p:tavLst>
                                         <p:tav tm="0">
                                           <p:val>
-                                            <p:strVal val="#ppt_h"/>
+                                            <p:fltVal val="0"/>
                                           </p:val>
                                         </p:tav>
                                         <p:tav tm="100000">
                                           <p:val>
                                             <p:strVal val="#ppt_h"/>
+                                          </p:val>
+                                        </p:tav>
+                                      </p:tavLst>
+                                    </p:anim>
+                                    <p:anim calcmode="lin" valueType="num">
+                                      <p:cBhvr>
+                                        <p:cTn id="10" dur="2000" fill="hold"/>
+                                        <p:tgtEl>
+                                          <p:spTgt spid="2"/>
+                                        </p:tgtEl>
+                                        <p:attrNameLst>
+                                          <p:attrName>ppt_w</p:attrName>
+                                        </p:attrNameLst>
+                                      </p:cBhvr>
+                                      <p:tavLst>
+                                        <p:tav tm="0">
+                                          <p:val>
+                                            <p:fltVal val="0"/>
+                                          </p:val>
+                                        </p:tav>
+                                        <p:tav tm="100000">
+                                          <p:val>
+                                            <p:strVal val="#ppt_w"/>
                                           </p:val>
                                         </p:tav>
                                       </p:tavLst>
@@ -8612,7 +9043,7 @@
       </p:par>
     </p:tnLst>
     <p:bldLst>
-      <p:bldP spid="2" grpId="0"/>
+      <p:bldP spid="2" grpId="1"/>
     </p:bldLst>
   </p:timing>
 </p:sld>
@@ -8645,52 +9076,28 @@
             <p:ph type="title"/>
           </p:nvPr>
         </p:nvSpPr>
-        <p:spPr/>
+        <p:spPr>
+          <a:xfrm>
+            <a:off x="1279359" y="2388476"/>
+            <a:ext cx="10018713" cy="1752599"/>
+          </a:xfrm>
+        </p:spPr>
         <p:txBody>
           <a:bodyPr/>
           <a:lstStyle/>
           <a:p>
             <a:r>
-              <a:rPr lang="en-US" dirty="0" smtClean="0"/>
-              <a:t>Home Page</a:t>
-            </a:r>
-            <a:endParaRPr lang="en-US" dirty="0"/>
-          </a:p>
-        </p:txBody>
-      </p:sp>
-      <p:pic>
-        <p:nvPicPr>
-          <p:cNvPr id="4" name="Content Placeholder 3"/>
-          <p:cNvPicPr>
-            <a:picLocks noGrp="1" noChangeAspect="1"/>
-          </p:cNvPicPr>
-          <p:nvPr>
-            <p:ph idx="1"/>
-          </p:nvPr>
-        </p:nvPicPr>
-        <p:blipFill>
-          <a:blip r:embed="rId2">
-            <a:extLst>
-              <a:ext uri="{28A0092B-C50C-407E-A947-70E740481C1C}">
-                <a14:useLocalDpi xmlns:a14="http://schemas.microsoft.com/office/drawing/2010/main" val="0"/>
-              </a:ext>
-            </a:extLst>
-          </a:blip>
-          <a:stretch>
-            <a:fillRect/>
-          </a:stretch>
-        </p:blipFill>
-        <p:spPr>
-          <a:xfrm>
-            <a:off x="2836472" y="2438399"/>
-            <a:ext cx="7543780" cy="3443514"/>
-          </a:xfrm>
-        </p:spPr>
-      </p:pic>
+              <a:rPr lang="en-US" smtClean="0"/>
+              <a:t>Churning Prediction App</a:t>
+            </a:r>
+            <a:endParaRPr lang="en-US"/>
+          </a:p>
+        </p:txBody>
+      </p:sp>
     </p:spTree>
     <p:extLst>
       <p:ext uri="{BB962C8B-B14F-4D97-AF65-F5344CB8AC3E}">
-        <p14:creationId xmlns:p14="http://schemas.microsoft.com/office/powerpoint/2010/main" val="2127603757"/>
+        <p14:creationId xmlns:p14="http://schemas.microsoft.com/office/powerpoint/2010/main" val="1813133122"/>
       </p:ext>
     </p:extLst>
   </p:cSld>
@@ -8700,9 +9107,111 @@
   <p:timing>
     <p:tnLst>
       <p:par>
-        <p:cTn id="1" dur="indefinite" restart="never" nodeType="tmRoot"/>
+        <p:cTn id="1" dur="indefinite" restart="never" nodeType="tmRoot">
+          <p:childTnLst>
+            <p:seq concurrent="1" nextAc="seek">
+              <p:cTn id="2" dur="indefinite" nodeType="mainSeq">
+                <p:childTnLst>
+                  <p:par>
+                    <p:cTn id="3" fill="hold">
+                      <p:stCondLst>
+                        <p:cond delay="indefinite"/>
+                      </p:stCondLst>
+                      <p:childTnLst>
+                        <p:par>
+                          <p:cTn id="4" fill="hold">
+                            <p:stCondLst>
+                              <p:cond delay="0"/>
+                            </p:stCondLst>
+                            <p:childTnLst>
+                              <p:par>
+                                <p:cTn id="5" presetID="12" presetClass="entr" presetSubtype="4" fill="hold" grpId="0" nodeType="clickEffect">
+                                  <p:stCondLst>
+                                    <p:cond delay="0"/>
+                                  </p:stCondLst>
+                                  <p:childTnLst>
+                                    <p:set>
+                                      <p:cBhvr>
+                                        <p:cTn id="6" dur="1" fill="hold">
+                                          <p:stCondLst>
+                                            <p:cond delay="0"/>
+                                          </p:stCondLst>
+                                        </p:cTn>
+                                        <p:tgtEl>
+                                          <p:spTgt spid="2"/>
+                                        </p:tgtEl>
+                                        <p:attrNameLst>
+                                          <p:attrName>style.visibility</p:attrName>
+                                        </p:attrNameLst>
+                                      </p:cBhvr>
+                                      <p:to>
+                                        <p:strVal val="visible"/>
+                                      </p:to>
+                                    </p:set>
+                                    <p:anim calcmode="lin" valueType="num">
+                                      <p:cBhvr additive="base">
+                                        <p:cTn id="7" dur="500"/>
+                                        <p:tgtEl>
+                                          <p:spTgt spid="2"/>
+                                        </p:tgtEl>
+                                        <p:attrNameLst>
+                                          <p:attrName>ppt_y</p:attrName>
+                                        </p:attrNameLst>
+                                      </p:cBhvr>
+                                      <p:tavLst>
+                                        <p:tav tm="0">
+                                          <p:val>
+                                            <p:strVal val="#ppt_y+#ppt_h*1.125000"/>
+                                          </p:val>
+                                        </p:tav>
+                                        <p:tav tm="100000">
+                                          <p:val>
+                                            <p:strVal val="#ppt_y"/>
+                                          </p:val>
+                                        </p:tav>
+                                      </p:tavLst>
+                                    </p:anim>
+                                    <p:animEffect transition="in" filter="wipe(up)">
+                                      <p:cBhvr>
+                                        <p:cTn id="8" dur="500"/>
+                                        <p:tgtEl>
+                                          <p:spTgt spid="2"/>
+                                        </p:tgtEl>
+                                      </p:cBhvr>
+                                    </p:animEffect>
+                                  </p:childTnLst>
+                                </p:cTn>
+                              </p:par>
+                            </p:childTnLst>
+                          </p:cTn>
+                        </p:par>
+                      </p:childTnLst>
+                    </p:cTn>
+                  </p:par>
+                </p:childTnLst>
+              </p:cTn>
+              <p:prevCondLst>
+                <p:cond evt="onPrev" delay="0">
+                  <p:tgtEl>
+                    <p:sldTgt/>
+                  </p:tgtEl>
+                </p:cond>
+              </p:prevCondLst>
+              <p:nextCondLst>
+                <p:cond evt="onNext" delay="0">
+                  <p:tgtEl>
+                    <p:sldTgt/>
+                  </p:tgtEl>
+                </p:cond>
+              </p:nextCondLst>
+            </p:seq>
+          </p:childTnLst>
+        </p:cTn>
       </p:par>
     </p:tnLst>
+    <p:bldLst>
+      <p:bldP spid="2" grpId="0"/>
+    </p:bldLst>
   </p:timing>
 </p:sld>
 </file>

--- a/final_project.pptx
+++ b/final_project.pptx
@@ -12,15 +12,12 @@
     <p:sldId id="267" r:id="rId6"/>
     <p:sldId id="268" r:id="rId7"/>
     <p:sldId id="269" r:id="rId8"/>
-    <p:sldId id="265" r:id="rId9"/>
-    <p:sldId id="271" r:id="rId10"/>
-    <p:sldId id="270" r:id="rId11"/>
-    <p:sldId id="260" r:id="rId12"/>
-    <p:sldId id="261" r:id="rId13"/>
-    <p:sldId id="262" r:id="rId14"/>
-    <p:sldId id="263" r:id="rId15"/>
-    <p:sldId id="264" r:id="rId16"/>
-    <p:sldId id="266" r:id="rId17"/>
+    <p:sldId id="260" r:id="rId9"/>
+    <p:sldId id="261" r:id="rId10"/>
+    <p:sldId id="262" r:id="rId11"/>
+    <p:sldId id="263" r:id="rId12"/>
+    <p:sldId id="264" r:id="rId13"/>
+    <p:sldId id="270" r:id="rId14"/>
   </p:sldIdLst>
   <p:sldSz cx="12192000" cy="6858000"/>
   <p:notesSz cx="6858000" cy="9144000"/>
@@ -119,6 +116,11 @@
       </a:defRPr>
     </a:lvl9pPr>
   </p:defaultTextStyle>
+  <p:extLst>
+    <p:ext uri="{EFAFB233-063F-42B5-8137-9DF3F51BA10A}">
+      <p15:sldGuideLst xmlns:p15="http://schemas.microsoft.com/office/powerpoint/2012/main"/>
+    </p:ext>
+  </p:extLst>
 </p:presentation>
 </file>
 
@@ -624,7 +626,7 @@
           <a:p>
             <a:fld id="{CA444B8C-67EF-6049-92D6-AEA5B1C2A5F1}" type="datetimeFigureOut">
               <a:rPr lang="en-US" smtClean="0"/>
-              <a:t>2/18/20</a:t>
+              <a:t>2/19/20</a:t>
             </a:fld>
             <a:endParaRPr lang="en-US"/>
           </a:p>
@@ -920,7 +922,7 @@
           <a:p>
             <a:fld id="{CA444B8C-67EF-6049-92D6-AEA5B1C2A5F1}" type="datetimeFigureOut">
               <a:rPr lang="en-US" smtClean="0"/>
-              <a:t>2/18/20</a:t>
+              <a:t>2/19/20</a:t>
             </a:fld>
             <a:endParaRPr lang="en-US"/>
           </a:p>
@@ -1168,7 +1170,7 @@
           <a:p>
             <a:fld id="{CA444B8C-67EF-6049-92D6-AEA5B1C2A5F1}" type="datetimeFigureOut">
               <a:rPr lang="en-US" smtClean="0"/>
-              <a:t>2/18/20</a:t>
+              <a:t>2/19/20</a:t>
             </a:fld>
             <a:endParaRPr lang="en-US"/>
           </a:p>
@@ -1708,7 +1710,7 @@
           <a:p>
             <a:fld id="{CA444B8C-67EF-6049-92D6-AEA5B1C2A5F1}" type="datetimeFigureOut">
               <a:rPr lang="en-US" smtClean="0"/>
-              <a:t>2/18/20</a:t>
+              <a:t>2/19/20</a:t>
             </a:fld>
             <a:endParaRPr lang="en-US"/>
           </a:p>
@@ -1956,7 +1958,7 @@
           <a:p>
             <a:fld id="{CA444B8C-67EF-6049-92D6-AEA5B1C2A5F1}" type="datetimeFigureOut">
               <a:rPr lang="en-US" smtClean="0"/>
-              <a:t>2/18/20</a:t>
+              <a:t>2/19/20</a:t>
             </a:fld>
             <a:endParaRPr lang="en-US"/>
           </a:p>
@@ -2488,7 +2490,7 @@
           <a:p>
             <a:fld id="{CA444B8C-67EF-6049-92D6-AEA5B1C2A5F1}" type="datetimeFigureOut">
               <a:rPr lang="en-US" smtClean="0"/>
-              <a:t>2/18/20</a:t>
+              <a:t>2/19/20</a:t>
             </a:fld>
             <a:endParaRPr lang="en-US"/>
           </a:p>
@@ -2785,7 +2787,7 @@
           <a:p>
             <a:fld id="{CA444B8C-67EF-6049-92D6-AEA5B1C2A5F1}" type="datetimeFigureOut">
               <a:rPr lang="en-US" smtClean="0"/>
-              <a:t>2/18/20</a:t>
+              <a:t>2/19/20</a:t>
             </a:fld>
             <a:endParaRPr lang="en-US"/>
           </a:p>
@@ -2959,7 +2961,7 @@
           <a:p>
             <a:fld id="{CA444B8C-67EF-6049-92D6-AEA5B1C2A5F1}" type="datetimeFigureOut">
               <a:rPr lang="en-US" smtClean="0"/>
-              <a:t>2/18/20</a:t>
+              <a:t>2/19/20</a:t>
             </a:fld>
             <a:endParaRPr lang="en-US"/>
           </a:p>
@@ -3139,7 +3141,7 @@
           <a:p>
             <a:fld id="{CA444B8C-67EF-6049-92D6-AEA5B1C2A5F1}" type="datetimeFigureOut">
               <a:rPr lang="en-US" smtClean="0"/>
-              <a:t>2/18/20</a:t>
+              <a:t>2/19/20</a:t>
             </a:fld>
             <a:endParaRPr lang="en-US"/>
           </a:p>
@@ -3309,7 +3311,7 @@
           <a:p>
             <a:fld id="{CA444B8C-67EF-6049-92D6-AEA5B1C2A5F1}" type="datetimeFigureOut">
               <a:rPr lang="en-US" smtClean="0"/>
-              <a:t>2/18/20</a:t>
+              <a:t>2/19/20</a:t>
             </a:fld>
             <a:endParaRPr lang="en-US"/>
           </a:p>
@@ -3560,7 +3562,7 @@
           <a:p>
             <a:fld id="{CA444B8C-67EF-6049-92D6-AEA5B1C2A5F1}" type="datetimeFigureOut">
               <a:rPr lang="en-US" smtClean="0"/>
-              <a:t>2/18/20</a:t>
+              <a:t>2/19/20</a:t>
             </a:fld>
             <a:endParaRPr lang="en-US"/>
           </a:p>
@@ -3857,7 +3859,7 @@
           <a:p>
             <a:fld id="{CA444B8C-67EF-6049-92D6-AEA5B1C2A5F1}" type="datetimeFigureOut">
               <a:rPr lang="en-US" smtClean="0"/>
-              <a:t>2/18/20</a:t>
+              <a:t>2/19/20</a:t>
             </a:fld>
             <a:endParaRPr lang="en-US"/>
           </a:p>
@@ -4299,7 +4301,7 @@
           <a:p>
             <a:fld id="{CA444B8C-67EF-6049-92D6-AEA5B1C2A5F1}" type="datetimeFigureOut">
               <a:rPr lang="en-US" smtClean="0"/>
-              <a:t>2/18/20</a:t>
+              <a:t>2/19/20</a:t>
             </a:fld>
             <a:endParaRPr lang="en-US"/>
           </a:p>
@@ -4417,7 +4419,7 @@
           <a:p>
             <a:fld id="{CA444B8C-67EF-6049-92D6-AEA5B1C2A5F1}" type="datetimeFigureOut">
               <a:rPr lang="en-US" smtClean="0"/>
-              <a:t>2/18/20</a:t>
+              <a:t>2/19/20</a:t>
             </a:fld>
             <a:endParaRPr lang="en-US"/>
           </a:p>
@@ -4512,7 +4514,7 @@
           <a:p>
             <a:fld id="{CA444B8C-67EF-6049-92D6-AEA5B1C2A5F1}" type="datetimeFigureOut">
               <a:rPr lang="en-US" smtClean="0"/>
-              <a:t>2/18/20</a:t>
+              <a:t>2/19/20</a:t>
             </a:fld>
             <a:endParaRPr lang="en-US"/>
           </a:p>
@@ -4795,7 +4797,7 @@
           <a:p>
             <a:fld id="{CA444B8C-67EF-6049-92D6-AEA5B1C2A5F1}" type="datetimeFigureOut">
               <a:rPr lang="en-US" smtClean="0"/>
-              <a:t>2/18/20</a:t>
+              <a:t>2/19/20</a:t>
             </a:fld>
             <a:endParaRPr lang="en-US"/>
           </a:p>
@@ -5086,7 +5088,7 @@
           <a:p>
             <a:fld id="{CA444B8C-67EF-6049-92D6-AEA5B1C2A5F1}" type="datetimeFigureOut">
               <a:rPr lang="en-US" smtClean="0"/>
-              <a:t>2/18/20</a:t>
+              <a:t>2/19/20</a:t>
             </a:fld>
             <a:endParaRPr lang="en-US"/>
           </a:p>
@@ -5616,7 +5618,7 @@
           <a:p>
             <a:fld id="{CA444B8C-67EF-6049-92D6-AEA5B1C2A5F1}" type="datetimeFigureOut">
               <a:rPr lang="en-US" smtClean="0"/>
-              <a:t>2/18/20</a:t>
+              <a:t>2/19/20</a:t>
             </a:fld>
             <a:endParaRPr lang="en-US"/>
           </a:p>
@@ -6248,27 +6250,98 @@
             <p:ph type="title"/>
           </p:nvPr>
         </p:nvSpPr>
-        <p:spPr/>
+        <p:spPr>
+          <a:xfrm>
+            <a:off x="1098782" y="134257"/>
+            <a:ext cx="10018713" cy="1752599"/>
+          </a:xfrm>
+        </p:spPr>
         <p:txBody>
           <a:bodyPr/>
           <a:lstStyle/>
           <a:p>
             <a:r>
               <a:rPr lang="en-US" dirty="0" smtClean="0"/>
-              <a:t>Apps Objectives</a:t>
+              <a:t>Input Prediction</a:t>
             </a:r>
             <a:endParaRPr lang="en-US" dirty="0"/>
           </a:p>
         </p:txBody>
       </p:sp>
-      <p:sp>
-        <p:nvSpPr>
-          <p:cNvPr id="3" name="Content Placeholder 2"/>
-          <p:cNvSpPr>
-            <a:spLocks noGrp="1"/>
-          </p:cNvSpPr>
+      <p:pic>
+        <p:nvPicPr>
+          <p:cNvPr id="4" name="Content Placeholder 3"/>
+          <p:cNvPicPr>
+            <a:picLocks noGrp="1" noChangeAspect="1"/>
+          </p:cNvPicPr>
           <p:nvPr>
             <p:ph idx="1"/>
+          </p:nvPr>
+        </p:nvPicPr>
+        <p:blipFill>
+          <a:blip r:embed="rId2">
+            <a:extLst>
+              <a:ext uri="{28A0092B-C50C-407E-A947-70E740481C1C}">
+                <a14:useLocalDpi xmlns:a14="http://schemas.microsoft.com/office/drawing/2010/main" val="0"/>
+              </a:ext>
+            </a:extLst>
+          </a:blip>
+          <a:stretch>
+            <a:fillRect/>
+          </a:stretch>
+        </p:blipFill>
+        <p:spPr>
+          <a:xfrm>
+            <a:off x="1270388" y="1436914"/>
+            <a:ext cx="9675500" cy="4833258"/>
+          </a:xfrm>
+        </p:spPr>
+      </p:pic>
+    </p:spTree>
+    <p:extLst>
+      <p:ext uri="{BB962C8B-B14F-4D97-AF65-F5344CB8AC3E}">
+        <p14:creationId xmlns:p14="http://schemas.microsoft.com/office/powerpoint/2010/main" val="290999326"/>
+      </p:ext>
+    </p:extLst>
+  </p:cSld>
+  <p:clrMapOvr>
+    <a:masterClrMapping/>
+  </p:clrMapOvr>
+  <p:timing>
+    <p:tnLst>
+      <p:par>
+        <p:cTn id="1" dur="indefinite" restart="never" nodeType="tmRoot"/>
+      </p:par>
+    </p:tnLst>
+  </p:timing>
+</p:sld>
+</file>
+
+<file path=ppt/slides/slide11.xml><?xml version="1.0" encoding="utf-8"?>
+<p:sld xmlns:a="http://schemas.openxmlformats.org/drawingml/2006/main" xmlns:r="http://schemas.openxmlformats.org/officeDocument/2006/relationships" xmlns:p="http://schemas.openxmlformats.org/presentationml/2006/main">
+  <p:cSld>
+    <p:spTree>
+      <p:nvGrpSpPr>
+        <p:cNvPr id="1" name=""/>
+        <p:cNvGrpSpPr/>
+        <p:nvPr/>
+      </p:nvGrpSpPr>
+      <p:grpSpPr>
+        <a:xfrm>
+          <a:off x="0" y="0"/>
+          <a:ext cx="0" cy="0"/>
+          <a:chOff x="0" y="0"/>
+          <a:chExt cx="0" cy="0"/>
+        </a:xfrm>
+      </p:grpSpPr>
+      <p:sp>
+        <p:nvSpPr>
+          <p:cNvPr id="2" name="Title 1"/>
+          <p:cNvSpPr>
+            <a:spLocks noGrp="1"/>
+          </p:cNvSpPr>
+          <p:nvPr>
+            <p:ph type="title"/>
           </p:nvPr>
         </p:nvSpPr>
         <p:spPr/>
@@ -6276,19 +6349,252 @@
           <a:bodyPr/>
           <a:lstStyle/>
           <a:p>
+            <a:endParaRPr lang="en-US"/>
+          </a:p>
+        </p:txBody>
+      </p:sp>
+      <p:pic>
+        <p:nvPicPr>
+          <p:cNvPr id="4" name="Content Placeholder 3"/>
+          <p:cNvPicPr>
+            <a:picLocks noGrp="1" noChangeAspect="1"/>
+          </p:cNvPicPr>
+          <p:nvPr>
+            <p:ph idx="1"/>
+          </p:nvPr>
+        </p:nvPicPr>
+        <p:blipFill>
+          <a:blip r:embed="rId2">
+            <a:extLst>
+              <a:ext uri="{28A0092B-C50C-407E-A947-70E740481C1C}">
+                <a14:useLocalDpi xmlns:a14="http://schemas.microsoft.com/office/drawing/2010/main" val="0"/>
+              </a:ext>
+            </a:extLst>
+          </a:blip>
+          <a:stretch>
+            <a:fillRect/>
+          </a:stretch>
+        </p:blipFill>
+        <p:spPr>
+          <a:xfrm>
+            <a:off x="1484311" y="943430"/>
+            <a:ext cx="9849089" cy="5185228"/>
+          </a:xfrm>
+        </p:spPr>
+      </p:pic>
+    </p:spTree>
+    <p:extLst>
+      <p:ext uri="{BB962C8B-B14F-4D97-AF65-F5344CB8AC3E}">
+        <p14:creationId xmlns:p14="http://schemas.microsoft.com/office/powerpoint/2010/main" val="1828794558"/>
+      </p:ext>
+    </p:extLst>
+  </p:cSld>
+  <p:clrMapOvr>
+    <a:masterClrMapping/>
+  </p:clrMapOvr>
+  <p:timing>
+    <p:tnLst>
+      <p:par>
+        <p:cTn id="1" dur="indefinite" restart="never" nodeType="tmRoot"/>
+      </p:par>
+    </p:tnLst>
+  </p:timing>
+</p:sld>
+</file>
+
+<file path=ppt/slides/slide12.xml><?xml version="1.0" encoding="utf-8"?>
+<p:sld xmlns:a="http://schemas.openxmlformats.org/drawingml/2006/main" xmlns:r="http://schemas.openxmlformats.org/officeDocument/2006/relationships" xmlns:p="http://schemas.openxmlformats.org/presentationml/2006/main">
+  <p:cSld>
+    <p:spTree>
+      <p:nvGrpSpPr>
+        <p:cNvPr id="1" name=""/>
+        <p:cNvGrpSpPr/>
+        <p:nvPr/>
+      </p:nvGrpSpPr>
+      <p:grpSpPr>
+        <a:xfrm>
+          <a:off x="0" y="0"/>
+          <a:ext cx="0" cy="0"/>
+          <a:chOff x="0" y="0"/>
+          <a:chExt cx="0" cy="0"/>
+        </a:xfrm>
+      </p:grpSpPr>
+      <p:sp>
+        <p:nvSpPr>
+          <p:cNvPr id="2" name="Title 1"/>
+          <p:cNvSpPr>
+            <a:spLocks noGrp="1"/>
+          </p:cNvSpPr>
+          <p:nvPr>
+            <p:ph type="title"/>
+          </p:nvPr>
+        </p:nvSpPr>
+        <p:spPr>
+          <a:xfrm>
+            <a:off x="1252082" y="264886"/>
+            <a:ext cx="10018713" cy="1752599"/>
+          </a:xfrm>
+        </p:spPr>
+        <p:txBody>
+          <a:bodyPr/>
+          <a:lstStyle/>
+          <a:p>
+            <a:r>
+              <a:rPr lang="en-US" dirty="0" smtClean="0"/>
+              <a:t>Result Page</a:t>
+            </a:r>
+            <a:endParaRPr lang="en-US" dirty="0"/>
+          </a:p>
+        </p:txBody>
+      </p:sp>
+      <p:pic>
+        <p:nvPicPr>
+          <p:cNvPr id="4" name="Content Placeholder 3"/>
+          <p:cNvPicPr>
+            <a:picLocks noGrp="1" noChangeAspect="1"/>
+          </p:cNvPicPr>
+          <p:nvPr>
+            <p:ph idx="1"/>
+          </p:nvPr>
+        </p:nvPicPr>
+        <p:blipFill>
+          <a:blip r:embed="rId2">
+            <a:extLst>
+              <a:ext uri="{28A0092B-C50C-407E-A947-70E740481C1C}">
+                <a14:useLocalDpi xmlns:a14="http://schemas.microsoft.com/office/drawing/2010/main" val="0"/>
+              </a:ext>
+            </a:extLst>
+          </a:blip>
+          <a:stretch>
+            <a:fillRect/>
+          </a:stretch>
+        </p:blipFill>
+        <p:spPr>
+          <a:xfrm>
+            <a:off x="2106236" y="1639512"/>
+            <a:ext cx="8310403" cy="4703231"/>
+          </a:xfrm>
+        </p:spPr>
+      </p:pic>
+    </p:spTree>
+    <p:extLst>
+      <p:ext uri="{BB962C8B-B14F-4D97-AF65-F5344CB8AC3E}">
+        <p14:creationId xmlns:p14="http://schemas.microsoft.com/office/powerpoint/2010/main" val="441334839"/>
+      </p:ext>
+    </p:extLst>
+  </p:cSld>
+  <p:clrMapOvr>
+    <a:masterClrMapping/>
+  </p:clrMapOvr>
+  <p:timing>
+    <p:tnLst>
+      <p:par>
+        <p:cTn id="1" dur="indefinite" restart="never" nodeType="tmRoot"/>
+      </p:par>
+    </p:tnLst>
+  </p:timing>
+</p:sld>
+</file>
+
+<file path=ppt/slides/slide13.xml><?xml version="1.0" encoding="utf-8"?>
+<p:sld xmlns:a="http://schemas.openxmlformats.org/drawingml/2006/main" xmlns:r="http://schemas.openxmlformats.org/officeDocument/2006/relationships" xmlns:p="http://schemas.openxmlformats.org/presentationml/2006/main">
+  <p:cSld>
+    <p:spTree>
+      <p:nvGrpSpPr>
+        <p:cNvPr id="1" name=""/>
+        <p:cNvGrpSpPr/>
+        <p:nvPr/>
+      </p:nvGrpSpPr>
+      <p:grpSpPr>
+        <a:xfrm>
+          <a:off x="0" y="0"/>
+          <a:ext cx="0" cy="0"/>
+          <a:chOff x="0" y="0"/>
+          <a:chExt cx="0" cy="0"/>
+        </a:xfrm>
+      </p:grpSpPr>
+      <p:sp>
+        <p:nvSpPr>
+          <p:cNvPr id="2" name="Title 1"/>
+          <p:cNvSpPr>
+            <a:spLocks noGrp="1"/>
+          </p:cNvSpPr>
+          <p:nvPr>
+            <p:ph type="title"/>
+          </p:nvPr>
+        </p:nvSpPr>
+        <p:spPr/>
+        <p:txBody>
+          <a:bodyPr/>
+          <a:lstStyle/>
+          <a:p>
+            <a:r>
+              <a:rPr lang="en-US" dirty="0" smtClean="0"/>
+              <a:t>Apps Objectives</a:t>
+            </a:r>
+            <a:endParaRPr lang="en-US" dirty="0"/>
+          </a:p>
+        </p:txBody>
+      </p:sp>
+      <p:sp>
+        <p:nvSpPr>
+          <p:cNvPr id="3" name="Content Placeholder 2"/>
+          <p:cNvSpPr>
+            <a:spLocks noGrp="1"/>
+          </p:cNvSpPr>
+          <p:nvPr>
+            <p:ph idx="1"/>
+          </p:nvPr>
+        </p:nvSpPr>
+        <p:spPr/>
+        <p:txBody>
+          <a:bodyPr/>
+          <a:lstStyle/>
+          <a:p>
             <a:endParaRPr lang="en-US" dirty="0" smtClean="0"/>
           </a:p>
           <a:p>
             <a:r>
               <a:rPr lang="en-US" dirty="0" smtClean="0"/>
-              <a:t>View churning related statistics -&gt; help understand pattern</a:t>
-            </a:r>
-          </a:p>
-          <a:p>
+              <a:t>View churning </a:t>
+            </a:r>
+            <a:r>
+              <a:rPr lang="en-US" smtClean="0"/>
+              <a:t>related </a:t>
+            </a:r>
+            <a:r>
+              <a:rPr lang="en-US" smtClean="0"/>
+              <a:t>statistics</a:t>
+            </a:r>
+          </a:p>
+          <a:p>
+            <a:r>
+              <a:rPr lang="en-US" smtClean="0"/>
+              <a:t>Predict </a:t>
+            </a:r>
             <a:r>
               <a:rPr lang="en-US" dirty="0" smtClean="0"/>
-              <a:t>Predict future churn outcome given customer’s monthly usage</a:t>
-            </a:r>
+              <a:t>future churn outcome given customer’s monthly </a:t>
+            </a:r>
+            <a:r>
+              <a:rPr lang="en-US" dirty="0" smtClean="0"/>
+              <a:t>usage</a:t>
+            </a:r>
+          </a:p>
+          <a:p>
+            <a:r>
+              <a:rPr lang="en-US" dirty="0" smtClean="0"/>
+              <a:t>Make appropriate recommendation (</a:t>
+            </a:r>
+            <a:r>
+              <a:rPr lang="en-US" dirty="0" err="1" smtClean="0"/>
+              <a:t>i.e</a:t>
+            </a:r>
+            <a:r>
+              <a:rPr lang="en-US" dirty="0" smtClean="0"/>
+              <a:t>: for high probability churning, give discount)</a:t>
+            </a:r>
+            <a:endParaRPr lang="en-US" dirty="0" smtClean="0"/>
           </a:p>
           <a:p>
             <a:pPr marL="0" indent="0">
@@ -6444,580 +6750,37 @@
                       </p:childTnLst>
                     </p:cTn>
                   </p:par>
-                </p:childTnLst>
-              </p:cTn>
-              <p:prevCondLst>
-                <p:cond evt="onPrev" delay="0">
-                  <p:tgtEl>
-                    <p:sldTgt/>
-                  </p:tgtEl>
-                </p:cond>
-              </p:prevCondLst>
-              <p:nextCondLst>
-                <p:cond evt="onNext" delay="0">
-                  <p:tgtEl>
-                    <p:sldTgt/>
-                  </p:tgtEl>
-                </p:cond>
-              </p:nextCondLst>
-            </p:seq>
-          </p:childTnLst>
-        </p:cTn>
-      </p:par>
-    </p:tnLst>
-    <p:bldLst>
-      <p:bldP spid="3" grpId="0" build="p"/>
-    </p:bldLst>
-  </p:timing>
-</p:sld>
-</file>
-
-<file path=ppt/slides/slide11.xml><?xml version="1.0" encoding="utf-8"?>
-<p:sld xmlns:a="http://schemas.openxmlformats.org/drawingml/2006/main" xmlns:r="http://schemas.openxmlformats.org/officeDocument/2006/relationships" xmlns:p="http://schemas.openxmlformats.org/presentationml/2006/main">
-  <p:cSld>
-    <p:spTree>
-      <p:nvGrpSpPr>
-        <p:cNvPr id="1" name=""/>
-        <p:cNvGrpSpPr/>
-        <p:nvPr/>
-      </p:nvGrpSpPr>
-      <p:grpSpPr>
-        <a:xfrm>
-          <a:off x="0" y="0"/>
-          <a:ext cx="0" cy="0"/>
-          <a:chOff x="0" y="0"/>
-          <a:chExt cx="0" cy="0"/>
-        </a:xfrm>
-      </p:grpSpPr>
-      <p:sp>
-        <p:nvSpPr>
-          <p:cNvPr id="2" name="Title 1"/>
-          <p:cNvSpPr>
-            <a:spLocks noGrp="1"/>
-          </p:cNvSpPr>
-          <p:nvPr>
-            <p:ph type="title"/>
-          </p:nvPr>
-        </p:nvSpPr>
-        <p:spPr/>
-        <p:txBody>
-          <a:bodyPr/>
-          <a:lstStyle/>
-          <a:p>
-            <a:r>
-              <a:rPr lang="en-US" dirty="0" smtClean="0"/>
-              <a:t>Home Page</a:t>
-            </a:r>
-            <a:endParaRPr lang="en-US" dirty="0"/>
-          </a:p>
-        </p:txBody>
-      </p:sp>
-      <p:pic>
-        <p:nvPicPr>
-          <p:cNvPr id="4" name="Content Placeholder 3"/>
-          <p:cNvPicPr>
-            <a:picLocks noGrp="1" noChangeAspect="1"/>
-          </p:cNvPicPr>
-          <p:nvPr>
-            <p:ph idx="1"/>
-          </p:nvPr>
-        </p:nvPicPr>
-        <p:blipFill>
-          <a:blip r:embed="rId2">
-            <a:extLst>
-              <a:ext uri="{28A0092B-C50C-407E-A947-70E740481C1C}">
-                <a14:useLocalDpi xmlns:a14="http://schemas.microsoft.com/office/drawing/2010/main" val="0"/>
-              </a:ext>
-            </a:extLst>
-          </a:blip>
-          <a:stretch>
-            <a:fillRect/>
-          </a:stretch>
-        </p:blipFill>
-        <p:spPr>
-          <a:xfrm>
-            <a:off x="2836472" y="2438399"/>
-            <a:ext cx="7543780" cy="3443514"/>
-          </a:xfrm>
-        </p:spPr>
-      </p:pic>
-    </p:spTree>
-    <p:extLst>
-      <p:ext uri="{BB962C8B-B14F-4D97-AF65-F5344CB8AC3E}">
-        <p14:creationId xmlns:p14="http://schemas.microsoft.com/office/powerpoint/2010/main" val="2127603757"/>
-      </p:ext>
-    </p:extLst>
-  </p:cSld>
-  <p:clrMapOvr>
-    <a:masterClrMapping/>
-  </p:clrMapOvr>
-  <p:timing>
-    <p:tnLst>
-      <p:par>
-        <p:cTn id="1" dur="indefinite" restart="never" nodeType="tmRoot"/>
-      </p:par>
-    </p:tnLst>
-  </p:timing>
-</p:sld>
-</file>
-
-<file path=ppt/slides/slide12.xml><?xml version="1.0" encoding="utf-8"?>
-<p:sld xmlns:a="http://schemas.openxmlformats.org/drawingml/2006/main" xmlns:r="http://schemas.openxmlformats.org/officeDocument/2006/relationships" xmlns:p="http://schemas.openxmlformats.org/presentationml/2006/main">
-  <p:cSld>
-    <p:spTree>
-      <p:nvGrpSpPr>
-        <p:cNvPr id="1" name=""/>
-        <p:cNvGrpSpPr/>
-        <p:nvPr/>
-      </p:nvGrpSpPr>
-      <p:grpSpPr>
-        <a:xfrm>
-          <a:off x="0" y="0"/>
-          <a:ext cx="0" cy="0"/>
-          <a:chOff x="0" y="0"/>
-          <a:chExt cx="0" cy="0"/>
-        </a:xfrm>
-      </p:grpSpPr>
-      <p:sp>
-        <p:nvSpPr>
-          <p:cNvPr id="2" name="Title 1"/>
-          <p:cNvSpPr>
-            <a:spLocks noGrp="1"/>
-          </p:cNvSpPr>
-          <p:nvPr>
-            <p:ph type="title"/>
-          </p:nvPr>
-        </p:nvSpPr>
-        <p:spPr>
-          <a:xfrm>
-            <a:off x="-1897518" y="351972"/>
-            <a:ext cx="10018713" cy="1752599"/>
-          </a:xfrm>
-        </p:spPr>
-        <p:txBody>
-          <a:bodyPr/>
-          <a:lstStyle/>
-          <a:p>
-            <a:r>
-              <a:rPr lang="en-US" dirty="0" smtClean="0"/>
-              <a:t>Statistic Page</a:t>
-            </a:r>
-            <a:endParaRPr lang="en-US" dirty="0"/>
-          </a:p>
-        </p:txBody>
-      </p:sp>
-      <p:pic>
-        <p:nvPicPr>
-          <p:cNvPr id="10" name="Content Placeholder 9"/>
-          <p:cNvPicPr>
-            <a:picLocks noGrp="1" noChangeAspect="1"/>
-          </p:cNvPicPr>
-          <p:nvPr>
-            <p:ph idx="1"/>
-          </p:nvPr>
-        </p:nvPicPr>
-        <p:blipFill>
-          <a:blip r:embed="rId2">
-            <a:extLst>
-              <a:ext uri="{28A0092B-C50C-407E-A947-70E740481C1C}">
-                <a14:useLocalDpi xmlns:a14="http://schemas.microsoft.com/office/drawing/2010/main" val="0"/>
-              </a:ext>
-            </a:extLst>
-          </a:blip>
-          <a:stretch>
-            <a:fillRect/>
-          </a:stretch>
-        </p:blipFill>
-        <p:spPr>
-          <a:xfrm>
-            <a:off x="5067005" y="351972"/>
-            <a:ext cx="6326258" cy="6371771"/>
-          </a:xfrm>
-        </p:spPr>
-      </p:pic>
-    </p:spTree>
-    <p:extLst>
-      <p:ext uri="{BB962C8B-B14F-4D97-AF65-F5344CB8AC3E}">
-        <p14:creationId xmlns:p14="http://schemas.microsoft.com/office/powerpoint/2010/main" val="838795744"/>
-      </p:ext>
-    </p:extLst>
-  </p:cSld>
-  <p:clrMapOvr>
-    <a:masterClrMapping/>
-  </p:clrMapOvr>
-  <p:timing>
-    <p:tnLst>
-      <p:par>
-        <p:cTn id="1" dur="indefinite" restart="never" nodeType="tmRoot"/>
-      </p:par>
-    </p:tnLst>
-  </p:timing>
-</p:sld>
-</file>
-
-<file path=ppt/slides/slide13.xml><?xml version="1.0" encoding="utf-8"?>
-<p:sld xmlns:a="http://schemas.openxmlformats.org/drawingml/2006/main" xmlns:r="http://schemas.openxmlformats.org/officeDocument/2006/relationships" xmlns:p="http://schemas.openxmlformats.org/presentationml/2006/main">
-  <p:cSld>
-    <p:spTree>
-      <p:nvGrpSpPr>
-        <p:cNvPr id="1" name=""/>
-        <p:cNvGrpSpPr/>
-        <p:nvPr/>
-      </p:nvGrpSpPr>
-      <p:grpSpPr>
-        <a:xfrm>
-          <a:off x="0" y="0"/>
-          <a:ext cx="0" cy="0"/>
-          <a:chOff x="0" y="0"/>
-          <a:chExt cx="0" cy="0"/>
-        </a:xfrm>
-      </p:grpSpPr>
-      <p:sp>
-        <p:nvSpPr>
-          <p:cNvPr id="2" name="Title 1"/>
-          <p:cNvSpPr>
-            <a:spLocks noGrp="1"/>
-          </p:cNvSpPr>
-          <p:nvPr>
-            <p:ph type="title"/>
-          </p:nvPr>
-        </p:nvSpPr>
-        <p:spPr>
-          <a:xfrm>
-            <a:off x="1098782" y="134257"/>
-            <a:ext cx="10018713" cy="1752599"/>
-          </a:xfrm>
-        </p:spPr>
-        <p:txBody>
-          <a:bodyPr/>
-          <a:lstStyle/>
-          <a:p>
-            <a:r>
-              <a:rPr lang="en-US" dirty="0" smtClean="0"/>
-              <a:t>Input Prediction</a:t>
-            </a:r>
-            <a:endParaRPr lang="en-US" dirty="0"/>
-          </a:p>
-        </p:txBody>
-      </p:sp>
-      <p:pic>
-        <p:nvPicPr>
-          <p:cNvPr id="4" name="Content Placeholder 3"/>
-          <p:cNvPicPr>
-            <a:picLocks noGrp="1" noChangeAspect="1"/>
-          </p:cNvPicPr>
-          <p:nvPr>
-            <p:ph idx="1"/>
-          </p:nvPr>
-        </p:nvPicPr>
-        <p:blipFill>
-          <a:blip r:embed="rId2">
-            <a:extLst>
-              <a:ext uri="{28A0092B-C50C-407E-A947-70E740481C1C}">
-                <a14:useLocalDpi xmlns:a14="http://schemas.microsoft.com/office/drawing/2010/main" val="0"/>
-              </a:ext>
-            </a:extLst>
-          </a:blip>
-          <a:stretch>
-            <a:fillRect/>
-          </a:stretch>
-        </p:blipFill>
-        <p:spPr>
-          <a:xfrm>
-            <a:off x="1270388" y="1436914"/>
-            <a:ext cx="9675500" cy="4833258"/>
-          </a:xfrm>
-        </p:spPr>
-      </p:pic>
-    </p:spTree>
-    <p:extLst>
-      <p:ext uri="{BB962C8B-B14F-4D97-AF65-F5344CB8AC3E}">
-        <p14:creationId xmlns:p14="http://schemas.microsoft.com/office/powerpoint/2010/main" val="290999326"/>
-      </p:ext>
-    </p:extLst>
-  </p:cSld>
-  <p:clrMapOvr>
-    <a:masterClrMapping/>
-  </p:clrMapOvr>
-  <p:timing>
-    <p:tnLst>
-      <p:par>
-        <p:cTn id="1" dur="indefinite" restart="never" nodeType="tmRoot"/>
-      </p:par>
-    </p:tnLst>
-  </p:timing>
-</p:sld>
-</file>
-
-<file path=ppt/slides/slide14.xml><?xml version="1.0" encoding="utf-8"?>
-<p:sld xmlns:a="http://schemas.openxmlformats.org/drawingml/2006/main" xmlns:r="http://schemas.openxmlformats.org/officeDocument/2006/relationships" xmlns:p="http://schemas.openxmlformats.org/presentationml/2006/main">
-  <p:cSld>
-    <p:spTree>
-      <p:nvGrpSpPr>
-        <p:cNvPr id="1" name=""/>
-        <p:cNvGrpSpPr/>
-        <p:nvPr/>
-      </p:nvGrpSpPr>
-      <p:grpSpPr>
-        <a:xfrm>
-          <a:off x="0" y="0"/>
-          <a:ext cx="0" cy="0"/>
-          <a:chOff x="0" y="0"/>
-          <a:chExt cx="0" cy="0"/>
-        </a:xfrm>
-      </p:grpSpPr>
-      <p:sp>
-        <p:nvSpPr>
-          <p:cNvPr id="2" name="Title 1"/>
-          <p:cNvSpPr>
-            <a:spLocks noGrp="1"/>
-          </p:cNvSpPr>
-          <p:nvPr>
-            <p:ph type="title"/>
-          </p:nvPr>
-        </p:nvSpPr>
-        <p:spPr/>
-        <p:txBody>
-          <a:bodyPr/>
-          <a:lstStyle/>
-          <a:p>
-            <a:endParaRPr lang="en-US"/>
-          </a:p>
-        </p:txBody>
-      </p:sp>
-      <p:pic>
-        <p:nvPicPr>
-          <p:cNvPr id="4" name="Content Placeholder 3"/>
-          <p:cNvPicPr>
-            <a:picLocks noGrp="1" noChangeAspect="1"/>
-          </p:cNvPicPr>
-          <p:nvPr>
-            <p:ph idx="1"/>
-          </p:nvPr>
-        </p:nvPicPr>
-        <p:blipFill>
-          <a:blip r:embed="rId2">
-            <a:extLst>
-              <a:ext uri="{28A0092B-C50C-407E-A947-70E740481C1C}">
-                <a14:useLocalDpi xmlns:a14="http://schemas.microsoft.com/office/drawing/2010/main" val="0"/>
-              </a:ext>
-            </a:extLst>
-          </a:blip>
-          <a:stretch>
-            <a:fillRect/>
-          </a:stretch>
-        </p:blipFill>
-        <p:spPr>
-          <a:xfrm>
-            <a:off x="1484311" y="943430"/>
-            <a:ext cx="9849089" cy="5185228"/>
-          </a:xfrm>
-        </p:spPr>
-      </p:pic>
-    </p:spTree>
-    <p:extLst>
-      <p:ext uri="{BB962C8B-B14F-4D97-AF65-F5344CB8AC3E}">
-        <p14:creationId xmlns:p14="http://schemas.microsoft.com/office/powerpoint/2010/main" val="1828794558"/>
-      </p:ext>
-    </p:extLst>
-  </p:cSld>
-  <p:clrMapOvr>
-    <a:masterClrMapping/>
-  </p:clrMapOvr>
-  <p:timing>
-    <p:tnLst>
-      <p:par>
-        <p:cTn id="1" dur="indefinite" restart="never" nodeType="tmRoot"/>
-      </p:par>
-    </p:tnLst>
-  </p:timing>
-</p:sld>
-</file>
-
-<file path=ppt/slides/slide15.xml><?xml version="1.0" encoding="utf-8"?>
-<p:sld xmlns:a="http://schemas.openxmlformats.org/drawingml/2006/main" xmlns:r="http://schemas.openxmlformats.org/officeDocument/2006/relationships" xmlns:p="http://schemas.openxmlformats.org/presentationml/2006/main">
-  <p:cSld>
-    <p:spTree>
-      <p:nvGrpSpPr>
-        <p:cNvPr id="1" name=""/>
-        <p:cNvGrpSpPr/>
-        <p:nvPr/>
-      </p:nvGrpSpPr>
-      <p:grpSpPr>
-        <a:xfrm>
-          <a:off x="0" y="0"/>
-          <a:ext cx="0" cy="0"/>
-          <a:chOff x="0" y="0"/>
-          <a:chExt cx="0" cy="0"/>
-        </a:xfrm>
-      </p:grpSpPr>
-      <p:sp>
-        <p:nvSpPr>
-          <p:cNvPr id="2" name="Title 1"/>
-          <p:cNvSpPr>
-            <a:spLocks noGrp="1"/>
-          </p:cNvSpPr>
-          <p:nvPr>
-            <p:ph type="title"/>
-          </p:nvPr>
-        </p:nvSpPr>
-        <p:spPr>
-          <a:xfrm>
-            <a:off x="1252082" y="264886"/>
-            <a:ext cx="10018713" cy="1752599"/>
-          </a:xfrm>
-        </p:spPr>
-        <p:txBody>
-          <a:bodyPr/>
-          <a:lstStyle/>
-          <a:p>
-            <a:r>
-              <a:rPr lang="en-US" dirty="0" smtClean="0"/>
-              <a:t>Result Page</a:t>
-            </a:r>
-            <a:endParaRPr lang="en-US" dirty="0"/>
-          </a:p>
-        </p:txBody>
-      </p:sp>
-      <p:pic>
-        <p:nvPicPr>
-          <p:cNvPr id="4" name="Content Placeholder 3"/>
-          <p:cNvPicPr>
-            <a:picLocks noGrp="1" noChangeAspect="1"/>
-          </p:cNvPicPr>
-          <p:nvPr>
-            <p:ph idx="1"/>
-          </p:nvPr>
-        </p:nvPicPr>
-        <p:blipFill>
-          <a:blip r:embed="rId2">
-            <a:extLst>
-              <a:ext uri="{28A0092B-C50C-407E-A947-70E740481C1C}">
-                <a14:useLocalDpi xmlns:a14="http://schemas.microsoft.com/office/drawing/2010/main" val="0"/>
-              </a:ext>
-            </a:extLst>
-          </a:blip>
-          <a:stretch>
-            <a:fillRect/>
-          </a:stretch>
-        </p:blipFill>
-        <p:spPr>
-          <a:xfrm>
-            <a:off x="2106236" y="1639512"/>
-            <a:ext cx="8310403" cy="4703231"/>
-          </a:xfrm>
-        </p:spPr>
-      </p:pic>
-    </p:spTree>
-    <p:extLst>
-      <p:ext uri="{BB962C8B-B14F-4D97-AF65-F5344CB8AC3E}">
-        <p14:creationId xmlns:p14="http://schemas.microsoft.com/office/powerpoint/2010/main" val="441334839"/>
-      </p:ext>
-    </p:extLst>
-  </p:cSld>
-  <p:clrMapOvr>
-    <a:masterClrMapping/>
-  </p:clrMapOvr>
-  <p:timing>
-    <p:tnLst>
-      <p:par>
-        <p:cTn id="1" dur="indefinite" restart="never" nodeType="tmRoot"/>
-      </p:par>
-    </p:tnLst>
-  </p:timing>
-</p:sld>
-</file>
-
-<file path=ppt/slides/slide16.xml><?xml version="1.0" encoding="utf-8"?>
-<p:sld xmlns:a="http://schemas.openxmlformats.org/drawingml/2006/main" xmlns:r="http://schemas.openxmlformats.org/officeDocument/2006/relationships" xmlns:p="http://schemas.openxmlformats.org/presentationml/2006/main">
-  <p:cSld>
-    <p:spTree>
-      <p:nvGrpSpPr>
-        <p:cNvPr id="1" name=""/>
-        <p:cNvGrpSpPr/>
-        <p:nvPr/>
-      </p:nvGrpSpPr>
-      <p:grpSpPr>
-        <a:xfrm>
-          <a:off x="0" y="0"/>
-          <a:ext cx="0" cy="0"/>
-          <a:chOff x="0" y="0"/>
-          <a:chExt cx="0" cy="0"/>
-        </a:xfrm>
-      </p:grpSpPr>
-      <p:sp>
-        <p:nvSpPr>
-          <p:cNvPr id="2" name="Title 1"/>
-          <p:cNvSpPr>
-            <a:spLocks noGrp="1"/>
-          </p:cNvSpPr>
-          <p:nvPr>
-            <p:ph type="title"/>
-          </p:nvPr>
-        </p:nvSpPr>
-        <p:spPr>
-          <a:xfrm>
-            <a:off x="1164996" y="2354943"/>
-            <a:ext cx="10018713" cy="1752599"/>
-          </a:xfrm>
-        </p:spPr>
-        <p:txBody>
-          <a:bodyPr/>
-          <a:lstStyle/>
-          <a:p>
-            <a:r>
-              <a:rPr lang="en-US" dirty="0" smtClean="0"/>
-              <a:t>Thank you !!</a:t>
-            </a:r>
-            <a:endParaRPr lang="en-US" dirty="0"/>
-          </a:p>
-        </p:txBody>
-      </p:sp>
-    </p:spTree>
-    <p:extLst>
-      <p:ext uri="{BB962C8B-B14F-4D97-AF65-F5344CB8AC3E}">
-        <p14:creationId xmlns:p14="http://schemas.microsoft.com/office/powerpoint/2010/main" val="633375885"/>
-      </p:ext>
-    </p:extLst>
-  </p:cSld>
-  <p:clrMapOvr>
-    <a:masterClrMapping/>
-  </p:clrMapOvr>
-  <p:timing>
-    <p:tnLst>
-      <p:par>
-        <p:cTn id="1" dur="indefinite" restart="never" nodeType="tmRoot">
-          <p:childTnLst>
-            <p:seq concurrent="1" nextAc="seek">
-              <p:cTn id="2" dur="indefinite" nodeType="mainSeq">
-                <p:childTnLst>
                   <p:par>
-                    <p:cTn id="3" fill="hold">
+                    <p:cTn id="13" fill="hold">
                       <p:stCondLst>
                         <p:cond delay="indefinite"/>
                       </p:stCondLst>
                       <p:childTnLst>
                         <p:par>
-                          <p:cTn id="4" fill="hold">
+                          <p:cTn id="14" fill="hold">
                             <p:stCondLst>
                               <p:cond delay="0"/>
                             </p:stCondLst>
                             <p:childTnLst>
                               <p:par>
-                                <p:cTn id="5" presetID="49" presetClass="entr" presetSubtype="0" decel="100000" fill="hold" grpId="0" nodeType="clickEffect">
+                                <p:cTn id="15" presetID="9" presetClass="entr" presetSubtype="0" fill="hold" grpId="0" nodeType="clickEffect">
                                   <p:stCondLst>
                                     <p:cond delay="0"/>
                                   </p:stCondLst>
                                   <p:childTnLst>
                                     <p:set>
                                       <p:cBhvr>
-                                        <p:cTn id="6" dur="1" fill="hold">
+                                        <p:cTn id="16" dur="1" fill="hold">
                                           <p:stCondLst>
                                             <p:cond delay="0"/>
                                           </p:stCondLst>
                                         </p:cTn>
                                         <p:tgtEl>
-                                          <p:spTgt spid="2"/>
+                                          <p:spTgt spid="3">
+                                            <p:txEl>
+                                              <p:pRg st="3" end="3"/>
+                                            </p:txEl>
+                                          </p:spTgt>
                                         </p:tgtEl>
                                         <p:attrNameLst>
                                           <p:attrName>style.visibility</p:attrName>
@@ -7027,80 +6790,15 @@
                                         <p:strVal val="visible"/>
                                       </p:to>
                                     </p:set>
-                                    <p:anim calcmode="lin" valueType="num">
+                                    <p:animEffect transition="in" filter="dissolve">
                                       <p:cBhvr>
-                                        <p:cTn id="7" dur="500" fill="hold"/>
+                                        <p:cTn id="17" dur="500"/>
                                         <p:tgtEl>
-                                          <p:spTgt spid="2"/>
-                                        </p:tgtEl>
-                                        <p:attrNameLst>
-                                          <p:attrName>ppt_w</p:attrName>
-                                        </p:attrNameLst>
-                                      </p:cBhvr>
-                                      <p:tavLst>
-                                        <p:tav tm="0">
-                                          <p:val>
-                                            <p:fltVal val="0"/>
-                                          </p:val>
-                                        </p:tav>
-                                        <p:tav tm="100000">
-                                          <p:val>
-                                            <p:strVal val="#ppt_w"/>
-                                          </p:val>
-                                        </p:tav>
-                                      </p:tavLst>
-                                    </p:anim>
-                                    <p:anim calcmode="lin" valueType="num">
-                                      <p:cBhvr>
-                                        <p:cTn id="8" dur="500" fill="hold"/>
-                                        <p:tgtEl>
-                                          <p:spTgt spid="2"/>
-                                        </p:tgtEl>
-                                        <p:attrNameLst>
-                                          <p:attrName>ppt_h</p:attrName>
-                                        </p:attrNameLst>
-                                      </p:cBhvr>
-                                      <p:tavLst>
-                                        <p:tav tm="0">
-                                          <p:val>
-                                            <p:fltVal val="0"/>
-                                          </p:val>
-                                        </p:tav>
-                                        <p:tav tm="100000">
-                                          <p:val>
-                                            <p:strVal val="#ppt_h"/>
-                                          </p:val>
-                                        </p:tav>
-                                      </p:tavLst>
-                                    </p:anim>
-                                    <p:anim calcmode="lin" valueType="num">
-                                      <p:cBhvr>
-                                        <p:cTn id="9" dur="500" fill="hold"/>
-                                        <p:tgtEl>
-                                          <p:spTgt spid="2"/>
-                                        </p:tgtEl>
-                                        <p:attrNameLst>
-                                          <p:attrName>style.rotation</p:attrName>
-                                        </p:attrNameLst>
-                                      </p:cBhvr>
-                                      <p:tavLst>
-                                        <p:tav tm="0">
-                                          <p:val>
-                                            <p:fltVal val="360"/>
-                                          </p:val>
-                                        </p:tav>
-                                        <p:tav tm="100000">
-                                          <p:val>
-                                            <p:fltVal val="0"/>
-                                          </p:val>
-                                        </p:tav>
-                                      </p:tavLst>
-                                    </p:anim>
-                                    <p:animEffect transition="in" filter="fade">
-                                      <p:cBhvr>
-                                        <p:cTn id="10" dur="500"/>
-                                        <p:tgtEl>
-                                          <p:spTgt spid="2"/>
+                                          <p:spTgt spid="3">
+                                            <p:txEl>
+                                              <p:pRg st="3" end="3"/>
+                                            </p:txEl>
+                                          </p:spTgt>
                                         </p:tgtEl>
                                       </p:cBhvr>
                                     </p:animEffect>
@@ -7135,7 +6833,7 @@
       </p:par>
     </p:tnLst>
     <p:bldLst>
-      <p:bldP spid="2" grpId="0"/>
+      <p:bldP spid="3" grpId="0" build="p"/>
     </p:bldLst>
   </p:timing>
 </p:sld>
@@ -8860,28 +8558,52 @@
             <p:ph type="title"/>
           </p:nvPr>
         </p:nvSpPr>
+        <p:spPr/>
+        <p:txBody>
+          <a:bodyPr/>
+          <a:lstStyle/>
+          <a:p>
+            <a:r>
+              <a:rPr lang="en-US" dirty="0" smtClean="0"/>
+              <a:t>Home Page</a:t>
+            </a:r>
+            <a:endParaRPr lang="en-US" dirty="0"/>
+          </a:p>
+        </p:txBody>
+      </p:sp>
+      <p:pic>
+        <p:nvPicPr>
+          <p:cNvPr id="4" name="Content Placeholder 3"/>
+          <p:cNvPicPr>
+            <a:picLocks noGrp="1" noChangeAspect="1"/>
+          </p:cNvPicPr>
+          <p:nvPr>
+            <p:ph idx="1"/>
+          </p:nvPr>
+        </p:nvPicPr>
+        <p:blipFill>
+          <a:blip r:embed="rId2">
+            <a:extLst>
+              <a:ext uri="{28A0092B-C50C-407E-A947-70E740481C1C}">
+                <a14:useLocalDpi xmlns:a14="http://schemas.microsoft.com/office/drawing/2010/main" val="0"/>
+              </a:ext>
+            </a:extLst>
+          </a:blip>
+          <a:stretch>
+            <a:fillRect/>
+          </a:stretch>
+        </p:blipFill>
         <p:spPr>
           <a:xfrm>
-            <a:off x="1048883" y="2267857"/>
-            <a:ext cx="10018713" cy="1752599"/>
+            <a:off x="2836472" y="2438399"/>
+            <a:ext cx="7543780" cy="3443514"/>
           </a:xfrm>
         </p:spPr>
-        <p:txBody>
-          <a:bodyPr/>
-          <a:lstStyle/>
-          <a:p>
-            <a:r>
-              <a:rPr lang="en-US" dirty="0" smtClean="0"/>
-              <a:t>We provide a solution !!!!</a:t>
-            </a:r>
-            <a:endParaRPr lang="en-US" dirty="0"/>
-          </a:p>
-        </p:txBody>
-      </p:sp>
+      </p:pic>
     </p:spTree>
     <p:extLst>
       <p:ext uri="{BB962C8B-B14F-4D97-AF65-F5344CB8AC3E}">
-        <p14:creationId xmlns:p14="http://schemas.microsoft.com/office/powerpoint/2010/main" val="1165561167"/>
+        <p14:creationId xmlns:p14="http://schemas.microsoft.com/office/powerpoint/2010/main" val="2127603757"/>
       </p:ext>
     </p:extLst>
   </p:cSld>
@@ -8891,160 +8613,9 @@
   <p:timing>
     <p:tnLst>
       <p:par>
-        <p:cTn id="1" dur="indefinite" restart="never" nodeType="tmRoot">
-          <p:childTnLst>
-            <p:seq concurrent="1" nextAc="seek">
-              <p:cTn id="2" dur="indefinite" nodeType="mainSeq">
-                <p:childTnLst>
-                  <p:par>
-                    <p:cTn id="3" fill="hold">
-                      <p:stCondLst>
-                        <p:cond delay="indefinite"/>
-                      </p:stCondLst>
-                      <p:childTnLst>
-                        <p:par>
-                          <p:cTn id="4" fill="hold">
-                            <p:stCondLst>
-                              <p:cond delay="0"/>
-                            </p:stCondLst>
-                            <p:childTnLst>
-                              <p:par>
-                                <p:cTn id="5" presetID="35" presetClass="entr" presetSubtype="0" fill="hold" grpId="1" nodeType="clickEffect">
-                                  <p:stCondLst>
-                                    <p:cond delay="0"/>
-                                  </p:stCondLst>
-                                  <p:iterate type="lt">
-                                    <p:tmPct val="0"/>
-                                  </p:iterate>
-                                  <p:childTnLst>
-                                    <p:set>
-                                      <p:cBhvr>
-                                        <p:cTn id="6" dur="1" fill="hold">
-                                          <p:stCondLst>
-                                            <p:cond delay="0"/>
-                                          </p:stCondLst>
-                                        </p:cTn>
-                                        <p:tgtEl>
-                                          <p:spTgt spid="2"/>
-                                        </p:tgtEl>
-                                        <p:attrNameLst>
-                                          <p:attrName>style.visibility</p:attrName>
-                                        </p:attrNameLst>
-                                      </p:cBhvr>
-                                      <p:to>
-                                        <p:strVal val="visible"/>
-                                      </p:to>
-                                    </p:set>
-                                    <p:animEffect transition="in" filter="fade">
-                                      <p:cBhvr>
-                                        <p:cTn id="7" dur="2000"/>
-                                        <p:tgtEl>
-                                          <p:spTgt spid="2"/>
-                                        </p:tgtEl>
-                                      </p:cBhvr>
-                                    </p:animEffect>
-                                    <p:anim calcmode="lin" valueType="num">
-                                      <p:cBhvr>
-                                        <p:cTn id="8" dur="2000" fill="hold"/>
-                                        <p:tgtEl>
-                                          <p:spTgt spid="2"/>
-                                        </p:tgtEl>
-                                        <p:attrNameLst>
-                                          <p:attrName>style.rotation</p:attrName>
-                                        </p:attrNameLst>
-                                      </p:cBhvr>
-                                      <p:tavLst>
-                                        <p:tav tm="0">
-                                          <p:val>
-                                            <p:fltVal val="720"/>
-                                          </p:val>
-                                        </p:tav>
-                                        <p:tav tm="100000">
-                                          <p:val>
-                                            <p:fltVal val="0"/>
-                                          </p:val>
-                                        </p:tav>
-                                      </p:tavLst>
-                                    </p:anim>
-                                    <p:anim calcmode="lin" valueType="num">
-                                      <p:cBhvr>
-                                        <p:cTn id="9" dur="2000" fill="hold"/>
-                                        <p:tgtEl>
-                                          <p:spTgt spid="2"/>
-                                        </p:tgtEl>
-                                        <p:attrNameLst>
-                                          <p:attrName>ppt_h</p:attrName>
-                                        </p:attrNameLst>
-                                      </p:cBhvr>
-                                      <p:tavLst>
-                                        <p:tav tm="0">
-                                          <p:val>
-                                            <p:fltVal val="0"/>
-                                          </p:val>
-                                        </p:tav>
-                                        <p:tav tm="100000">
-                                          <p:val>
-                                            <p:strVal val="#ppt_h"/>
-                                          </p:val>
-                                        </p:tav>
-                                      </p:tavLst>
-                                    </p:anim>
-                                    <p:anim calcmode="lin" valueType="num">
-                                      <p:cBhvr>
-                                        <p:cTn id="10" dur="2000" fill="hold"/>
-                                        <p:tgtEl>
-                                          <p:spTgt spid="2"/>
-                                        </p:tgtEl>
-                                        <p:attrNameLst>
-                                          <p:attrName>ppt_w</p:attrName>
-                                        </p:attrNameLst>
-                                      </p:cBhvr>
-                                      <p:tavLst>
-                                        <p:tav tm="0">
-                                          <p:val>
-                                            <p:fltVal val="0"/>
-                                          </p:val>
-                                        </p:tav>
-                                        <p:tav tm="100000">
-                                          <p:val>
-                                            <p:strVal val="#ppt_w"/>
-                                          </p:val>
-                                        </p:tav>
-                                      </p:tavLst>
-                                    </p:anim>
-                                  </p:childTnLst>
-                                </p:cTn>
-                              </p:par>
-                            </p:childTnLst>
-                          </p:cTn>
-                        </p:par>
-                      </p:childTnLst>
-                    </p:cTn>
-                  </p:par>
-                </p:childTnLst>
-              </p:cTn>
-              <p:prevCondLst>
-                <p:cond evt="onPrev" delay="0">
-                  <p:tgtEl>
-                    <p:sldTgt/>
-                  </p:tgtEl>
-                </p:cond>
-              </p:prevCondLst>
-              <p:nextCondLst>
-                <p:cond evt="onNext" delay="0">
-                  <p:tgtEl>
-                    <p:sldTgt/>
-                  </p:tgtEl>
-                </p:cond>
-              </p:nextCondLst>
-            </p:seq>
-          </p:childTnLst>
-        </p:cTn>
+        <p:cTn id="1" dur="indefinite" restart="never" nodeType="tmRoot"/>
       </p:par>
     </p:tnLst>
-    <p:bldLst>
-      <p:bldP spid="2" grpId="1"/>
-    </p:bldLst>
   </p:timing>
 </p:sld>
 </file>
@@ -9078,7 +8649,7 @@
         </p:nvSpPr>
         <p:spPr>
           <a:xfrm>
-            <a:off x="1279359" y="2388476"/>
+            <a:off x="-1897518" y="351972"/>
             <a:ext cx="10018713" cy="1752599"/>
           </a:xfrm>
         </p:spPr>
@@ -9087,17 +8658,46 @@
           <a:lstStyle/>
           <a:p>
             <a:r>
-              <a:rPr lang="en-US" smtClean="0"/>
-              <a:t>Churning Prediction App</a:t>
-            </a:r>
-            <a:endParaRPr lang="en-US"/>
-          </a:p>
-        </p:txBody>
-      </p:sp>
+              <a:rPr lang="en-US" dirty="0" smtClean="0"/>
+              <a:t>Statistic Page</a:t>
+            </a:r>
+            <a:endParaRPr lang="en-US" dirty="0"/>
+          </a:p>
+        </p:txBody>
+      </p:sp>
+      <p:pic>
+        <p:nvPicPr>
+          <p:cNvPr id="10" name="Content Placeholder 9"/>
+          <p:cNvPicPr>
+            <a:picLocks noGrp="1" noChangeAspect="1"/>
+          </p:cNvPicPr>
+          <p:nvPr>
+            <p:ph idx="1"/>
+          </p:nvPr>
+        </p:nvPicPr>
+        <p:blipFill>
+          <a:blip r:embed="rId2">
+            <a:extLst>
+              <a:ext uri="{28A0092B-C50C-407E-A947-70E740481C1C}">
+                <a14:useLocalDpi xmlns:a14="http://schemas.microsoft.com/office/drawing/2010/main" val="0"/>
+              </a:ext>
+            </a:extLst>
+          </a:blip>
+          <a:stretch>
+            <a:fillRect/>
+          </a:stretch>
+        </p:blipFill>
+        <p:spPr>
+          <a:xfrm>
+            <a:off x="5067005" y="351972"/>
+            <a:ext cx="6326258" cy="6371771"/>
+          </a:xfrm>
+        </p:spPr>
+      </p:pic>
     </p:spTree>
     <p:extLst>
       <p:ext uri="{BB962C8B-B14F-4D97-AF65-F5344CB8AC3E}">
-        <p14:creationId xmlns:p14="http://schemas.microsoft.com/office/powerpoint/2010/main" val="1813133122"/>
+        <p14:creationId xmlns:p14="http://schemas.microsoft.com/office/powerpoint/2010/main" val="838795744"/>
       </p:ext>
     </p:extLst>
   </p:cSld>
@@ -9107,111 +8707,9 @@
   <p:timing>
     <p:tnLst>
       <p:par>
-        <p:cTn id="1" dur="indefinite" restart="never" nodeType="tmRoot">
-          <p:childTnLst>
-            <p:seq concurrent="1" nextAc="seek">
-              <p:cTn id="2" dur="indefinite" nodeType="mainSeq">
-                <p:childTnLst>
-                  <p:par>
-                    <p:cTn id="3" fill="hold">
-                      <p:stCondLst>
-                        <p:cond delay="indefinite"/>
-                      </p:stCondLst>
-                      <p:childTnLst>
-                        <p:par>
-                          <p:cTn id="4" fill="hold">
-                            <p:stCondLst>
-                              <p:cond delay="0"/>
-                            </p:stCondLst>
-                            <p:childTnLst>
-                              <p:par>
-                                <p:cTn id="5" presetID="12" presetClass="entr" presetSubtype="4" fill="hold" grpId="0" nodeType="clickEffect">
-                                  <p:stCondLst>
-                                    <p:cond delay="0"/>
-                                  </p:stCondLst>
-                                  <p:childTnLst>
-                                    <p:set>
-                                      <p:cBhvr>
-                                        <p:cTn id="6" dur="1" fill="hold">
-                                          <p:stCondLst>
-                                            <p:cond delay="0"/>
-                                          </p:stCondLst>
-                                        </p:cTn>
-                                        <p:tgtEl>
-                                          <p:spTgt spid="2"/>
-                                        </p:tgtEl>
-                                        <p:attrNameLst>
-                                          <p:attrName>style.visibility</p:attrName>
-                                        </p:attrNameLst>
-                                      </p:cBhvr>
-                                      <p:to>
-                                        <p:strVal val="visible"/>
-                                      </p:to>
-                                    </p:set>
-                                    <p:anim calcmode="lin" valueType="num">
-                                      <p:cBhvr additive="base">
-                                        <p:cTn id="7" dur="500"/>
-                                        <p:tgtEl>
-                                          <p:spTgt spid="2"/>
-                                        </p:tgtEl>
-                                        <p:attrNameLst>
-                                          <p:attrName>ppt_y</p:attrName>
-                                        </p:attrNameLst>
-                                      </p:cBhvr>
-                                      <p:tavLst>
-                                        <p:tav tm="0">
-                                          <p:val>
-                                            <p:strVal val="#ppt_y+#ppt_h*1.125000"/>
-                                          </p:val>
-                                        </p:tav>
-                                        <p:tav tm="100000">
-                                          <p:val>
-                                            <p:strVal val="#ppt_y"/>
-                                          </p:val>
-                                        </p:tav>
-                                      </p:tavLst>
-                                    </p:anim>
-                                    <p:animEffect transition="in" filter="wipe(up)">
-                                      <p:cBhvr>
-                                        <p:cTn id="8" dur="500"/>
-                                        <p:tgtEl>
-                                          <p:spTgt spid="2"/>
-                                        </p:tgtEl>
-                                      </p:cBhvr>
-                                    </p:animEffect>
-                                  </p:childTnLst>
-                                </p:cTn>
-                              </p:par>
-                            </p:childTnLst>
-                          </p:cTn>
-                        </p:par>
-                      </p:childTnLst>
-                    </p:cTn>
-                  </p:par>
-                </p:childTnLst>
-              </p:cTn>
-              <p:prevCondLst>
-                <p:cond evt="onPrev" delay="0">
-                  <p:tgtEl>
-                    <p:sldTgt/>
-                  </p:tgtEl>
-                </p:cond>
-              </p:prevCondLst>
-              <p:nextCondLst>
-                <p:cond evt="onNext" delay="0">
-                  <p:tgtEl>
-                    <p:sldTgt/>
-                  </p:tgtEl>
-                </p:cond>
-              </p:nextCondLst>
-            </p:seq>
-          </p:childTnLst>
-        </p:cTn>
+        <p:cTn id="1" dur="indefinite" restart="never" nodeType="tmRoot"/>
       </p:par>
     </p:tnLst>
-    <p:bldLst>
-      <p:bldP spid="2" grpId="0"/>
-    </p:bldLst>
   </p:timing>
 </p:sld>
 </file>

--- a/final_project.pptx
+++ b/final_project.pptx
@@ -12,12 +12,12 @@
     <p:sldId id="267" r:id="rId6"/>
     <p:sldId id="268" r:id="rId7"/>
     <p:sldId id="269" r:id="rId8"/>
-    <p:sldId id="260" r:id="rId9"/>
-    <p:sldId id="261" r:id="rId10"/>
-    <p:sldId id="262" r:id="rId11"/>
-    <p:sldId id="263" r:id="rId12"/>
-    <p:sldId id="264" r:id="rId13"/>
-    <p:sldId id="270" r:id="rId14"/>
+    <p:sldId id="270" r:id="rId9"/>
+    <p:sldId id="260" r:id="rId10"/>
+    <p:sldId id="261" r:id="rId11"/>
+    <p:sldId id="262" r:id="rId12"/>
+    <p:sldId id="263" r:id="rId13"/>
+    <p:sldId id="264" r:id="rId14"/>
   </p:sldIdLst>
   <p:sldSz cx="12192000" cy="6858000"/>
   <p:notesSz cx="6858000" cy="9144000"/>
@@ -626,7 +626,7 @@
           <a:p>
             <a:fld id="{CA444B8C-67EF-6049-92D6-AEA5B1C2A5F1}" type="datetimeFigureOut">
               <a:rPr lang="en-US" smtClean="0"/>
-              <a:t>2/19/20</a:t>
+              <a:t>2/20/20</a:t>
             </a:fld>
             <a:endParaRPr lang="en-US"/>
           </a:p>
@@ -922,7 +922,7 @@
           <a:p>
             <a:fld id="{CA444B8C-67EF-6049-92D6-AEA5B1C2A5F1}" type="datetimeFigureOut">
               <a:rPr lang="en-US" smtClean="0"/>
-              <a:t>2/19/20</a:t>
+              <a:t>2/20/20</a:t>
             </a:fld>
             <a:endParaRPr lang="en-US"/>
           </a:p>
@@ -1170,7 +1170,7 @@
           <a:p>
             <a:fld id="{CA444B8C-67EF-6049-92D6-AEA5B1C2A5F1}" type="datetimeFigureOut">
               <a:rPr lang="en-US" smtClean="0"/>
-              <a:t>2/19/20</a:t>
+              <a:t>2/20/20</a:t>
             </a:fld>
             <a:endParaRPr lang="en-US"/>
           </a:p>
@@ -1710,7 +1710,7 @@
           <a:p>
             <a:fld id="{CA444B8C-67EF-6049-92D6-AEA5B1C2A5F1}" type="datetimeFigureOut">
               <a:rPr lang="en-US" smtClean="0"/>
-              <a:t>2/19/20</a:t>
+              <a:t>2/20/20</a:t>
             </a:fld>
             <a:endParaRPr lang="en-US"/>
           </a:p>
@@ -1958,7 +1958,7 @@
           <a:p>
             <a:fld id="{CA444B8C-67EF-6049-92D6-AEA5B1C2A5F1}" type="datetimeFigureOut">
               <a:rPr lang="en-US" smtClean="0"/>
-              <a:t>2/19/20</a:t>
+              <a:t>2/20/20</a:t>
             </a:fld>
             <a:endParaRPr lang="en-US"/>
           </a:p>
@@ -2490,7 +2490,7 @@
           <a:p>
             <a:fld id="{CA444B8C-67EF-6049-92D6-AEA5B1C2A5F1}" type="datetimeFigureOut">
               <a:rPr lang="en-US" smtClean="0"/>
-              <a:t>2/19/20</a:t>
+              <a:t>2/20/20</a:t>
             </a:fld>
             <a:endParaRPr lang="en-US"/>
           </a:p>
@@ -2787,7 +2787,7 @@
           <a:p>
             <a:fld id="{CA444B8C-67EF-6049-92D6-AEA5B1C2A5F1}" type="datetimeFigureOut">
               <a:rPr lang="en-US" smtClean="0"/>
-              <a:t>2/19/20</a:t>
+              <a:t>2/20/20</a:t>
             </a:fld>
             <a:endParaRPr lang="en-US"/>
           </a:p>
@@ -2961,7 +2961,7 @@
           <a:p>
             <a:fld id="{CA444B8C-67EF-6049-92D6-AEA5B1C2A5F1}" type="datetimeFigureOut">
               <a:rPr lang="en-US" smtClean="0"/>
-              <a:t>2/19/20</a:t>
+              <a:t>2/20/20</a:t>
             </a:fld>
             <a:endParaRPr lang="en-US"/>
           </a:p>
@@ -3141,7 +3141,7 @@
           <a:p>
             <a:fld id="{CA444B8C-67EF-6049-92D6-AEA5B1C2A5F1}" type="datetimeFigureOut">
               <a:rPr lang="en-US" smtClean="0"/>
-              <a:t>2/19/20</a:t>
+              <a:t>2/20/20</a:t>
             </a:fld>
             <a:endParaRPr lang="en-US"/>
           </a:p>
@@ -3311,7 +3311,7 @@
           <a:p>
             <a:fld id="{CA444B8C-67EF-6049-92D6-AEA5B1C2A5F1}" type="datetimeFigureOut">
               <a:rPr lang="en-US" smtClean="0"/>
-              <a:t>2/19/20</a:t>
+              <a:t>2/20/20</a:t>
             </a:fld>
             <a:endParaRPr lang="en-US"/>
           </a:p>
@@ -3562,7 +3562,7 @@
           <a:p>
             <a:fld id="{CA444B8C-67EF-6049-92D6-AEA5B1C2A5F1}" type="datetimeFigureOut">
               <a:rPr lang="en-US" smtClean="0"/>
-              <a:t>2/19/20</a:t>
+              <a:t>2/20/20</a:t>
             </a:fld>
             <a:endParaRPr lang="en-US"/>
           </a:p>
@@ -3859,7 +3859,7 @@
           <a:p>
             <a:fld id="{CA444B8C-67EF-6049-92D6-AEA5B1C2A5F1}" type="datetimeFigureOut">
               <a:rPr lang="en-US" smtClean="0"/>
-              <a:t>2/19/20</a:t>
+              <a:t>2/20/20</a:t>
             </a:fld>
             <a:endParaRPr lang="en-US"/>
           </a:p>
@@ -4301,7 +4301,7 @@
           <a:p>
             <a:fld id="{CA444B8C-67EF-6049-92D6-AEA5B1C2A5F1}" type="datetimeFigureOut">
               <a:rPr lang="en-US" smtClean="0"/>
-              <a:t>2/19/20</a:t>
+              <a:t>2/20/20</a:t>
             </a:fld>
             <a:endParaRPr lang="en-US"/>
           </a:p>
@@ -4419,7 +4419,7 @@
           <a:p>
             <a:fld id="{CA444B8C-67EF-6049-92D6-AEA5B1C2A5F1}" type="datetimeFigureOut">
               <a:rPr lang="en-US" smtClean="0"/>
-              <a:t>2/19/20</a:t>
+              <a:t>2/20/20</a:t>
             </a:fld>
             <a:endParaRPr lang="en-US"/>
           </a:p>
@@ -4514,7 +4514,7 @@
           <a:p>
             <a:fld id="{CA444B8C-67EF-6049-92D6-AEA5B1C2A5F1}" type="datetimeFigureOut">
               <a:rPr lang="en-US" smtClean="0"/>
-              <a:t>2/19/20</a:t>
+              <a:t>2/20/20</a:t>
             </a:fld>
             <a:endParaRPr lang="en-US"/>
           </a:p>
@@ -4797,7 +4797,7 @@
           <a:p>
             <a:fld id="{CA444B8C-67EF-6049-92D6-AEA5B1C2A5F1}" type="datetimeFigureOut">
               <a:rPr lang="en-US" smtClean="0"/>
-              <a:t>2/19/20</a:t>
+              <a:t>2/20/20</a:t>
             </a:fld>
             <a:endParaRPr lang="en-US"/>
           </a:p>
@@ -5088,7 +5088,7 @@
           <a:p>
             <a:fld id="{CA444B8C-67EF-6049-92D6-AEA5B1C2A5F1}" type="datetimeFigureOut">
               <a:rPr lang="en-US" smtClean="0"/>
-              <a:t>2/19/20</a:t>
+              <a:t>2/20/20</a:t>
             </a:fld>
             <a:endParaRPr lang="en-US"/>
           </a:p>
@@ -5618,7 +5618,7 @@
           <a:p>
             <a:fld id="{CA444B8C-67EF-6049-92D6-AEA5B1C2A5F1}" type="datetimeFigureOut">
               <a:rPr lang="en-US" smtClean="0"/>
-              <a:t>2/19/20</a:t>
+              <a:t>2/20/20</a:t>
             </a:fld>
             <a:endParaRPr lang="en-US"/>
           </a:p>
@@ -6252,6 +6252,100 @@
         </p:nvSpPr>
         <p:spPr>
           <a:xfrm>
+            <a:off x="-1897518" y="351972"/>
+            <a:ext cx="10018713" cy="1752599"/>
+          </a:xfrm>
+        </p:spPr>
+        <p:txBody>
+          <a:bodyPr/>
+          <a:lstStyle/>
+          <a:p>
+            <a:r>
+              <a:rPr lang="en-US" dirty="0" smtClean="0"/>
+              <a:t>Statistic Page</a:t>
+            </a:r>
+            <a:endParaRPr lang="en-US" dirty="0"/>
+          </a:p>
+        </p:txBody>
+      </p:sp>
+      <p:pic>
+        <p:nvPicPr>
+          <p:cNvPr id="10" name="Content Placeholder 9"/>
+          <p:cNvPicPr>
+            <a:picLocks noGrp="1" noChangeAspect="1"/>
+          </p:cNvPicPr>
+          <p:nvPr>
+            <p:ph idx="1"/>
+          </p:nvPr>
+        </p:nvPicPr>
+        <p:blipFill>
+          <a:blip r:embed="rId2">
+            <a:extLst>
+              <a:ext uri="{28A0092B-C50C-407E-A947-70E740481C1C}">
+                <a14:useLocalDpi xmlns:a14="http://schemas.microsoft.com/office/drawing/2010/main" val="0"/>
+              </a:ext>
+            </a:extLst>
+          </a:blip>
+          <a:stretch>
+            <a:fillRect/>
+          </a:stretch>
+        </p:blipFill>
+        <p:spPr>
+          <a:xfrm>
+            <a:off x="5067005" y="351972"/>
+            <a:ext cx="6326258" cy="6371771"/>
+          </a:xfrm>
+        </p:spPr>
+      </p:pic>
+    </p:spTree>
+    <p:extLst>
+      <p:ext uri="{BB962C8B-B14F-4D97-AF65-F5344CB8AC3E}">
+        <p14:creationId xmlns:p14="http://schemas.microsoft.com/office/powerpoint/2010/main" val="838795744"/>
+      </p:ext>
+    </p:extLst>
+  </p:cSld>
+  <p:clrMapOvr>
+    <a:masterClrMapping/>
+  </p:clrMapOvr>
+  <p:timing>
+    <p:tnLst>
+      <p:par>
+        <p:cTn id="1" dur="indefinite" restart="never" nodeType="tmRoot"/>
+      </p:par>
+    </p:tnLst>
+  </p:timing>
+</p:sld>
+</file>
+
+<file path=ppt/slides/slide11.xml><?xml version="1.0" encoding="utf-8"?>
+<p:sld xmlns:a="http://schemas.openxmlformats.org/drawingml/2006/main" xmlns:r="http://schemas.openxmlformats.org/officeDocument/2006/relationships" xmlns:p="http://schemas.openxmlformats.org/presentationml/2006/main">
+  <p:cSld>
+    <p:spTree>
+      <p:nvGrpSpPr>
+        <p:cNvPr id="1" name=""/>
+        <p:cNvGrpSpPr/>
+        <p:nvPr/>
+      </p:nvGrpSpPr>
+      <p:grpSpPr>
+        <a:xfrm>
+          <a:off x="0" y="0"/>
+          <a:ext cx="0" cy="0"/>
+          <a:chOff x="0" y="0"/>
+          <a:chExt cx="0" cy="0"/>
+        </a:xfrm>
+      </p:grpSpPr>
+      <p:sp>
+        <p:nvSpPr>
+          <p:cNvPr id="2" name="Title 1"/>
+          <p:cNvSpPr>
+            <a:spLocks noGrp="1"/>
+          </p:cNvSpPr>
+          <p:nvPr>
+            <p:ph type="title"/>
+          </p:nvPr>
+        </p:nvSpPr>
+        <p:spPr>
+          <a:xfrm>
             <a:off x="1098782" y="134257"/>
             <a:ext cx="10018713" cy="1752599"/>
           </a:xfrm>
@@ -6317,7 +6411,7 @@
 </p:sld>
 </file>
 
-<file path=ppt/slides/slide11.xml><?xml version="1.0" encoding="utf-8"?>
+<file path=ppt/slides/slide12.xml><?xml version="1.0" encoding="utf-8"?>
 <p:sld xmlns:a="http://schemas.openxmlformats.org/drawingml/2006/main" xmlns:r="http://schemas.openxmlformats.org/officeDocument/2006/relationships" xmlns:p="http://schemas.openxmlformats.org/presentationml/2006/main">
   <p:cSld>
     <p:spTree>
@@ -6402,7 +6496,7 @@
 </p:sld>
 </file>
 
-<file path=ppt/slides/slide12.xml><?xml version="1.0" encoding="utf-8"?>
+<file path=ppt/slides/slide13.xml><?xml version="1.0" encoding="utf-8"?>
 <p:sld xmlns:a="http://schemas.openxmlformats.org/drawingml/2006/main" xmlns:r="http://schemas.openxmlformats.org/officeDocument/2006/relationships" xmlns:p="http://schemas.openxmlformats.org/presentationml/2006/main">
   <p:cSld>
     <p:spTree>
@@ -6492,349 +6586,6 @@
         <p:cTn id="1" dur="indefinite" restart="never" nodeType="tmRoot"/>
       </p:par>
     </p:tnLst>
-  </p:timing>
-</p:sld>
-</file>
-
-<file path=ppt/slides/slide13.xml><?xml version="1.0" encoding="utf-8"?>
-<p:sld xmlns:a="http://schemas.openxmlformats.org/drawingml/2006/main" xmlns:r="http://schemas.openxmlformats.org/officeDocument/2006/relationships" xmlns:p="http://schemas.openxmlformats.org/presentationml/2006/main">
-  <p:cSld>
-    <p:spTree>
-      <p:nvGrpSpPr>
-        <p:cNvPr id="1" name=""/>
-        <p:cNvGrpSpPr/>
-        <p:nvPr/>
-      </p:nvGrpSpPr>
-      <p:grpSpPr>
-        <a:xfrm>
-          <a:off x="0" y="0"/>
-          <a:ext cx="0" cy="0"/>
-          <a:chOff x="0" y="0"/>
-          <a:chExt cx="0" cy="0"/>
-        </a:xfrm>
-      </p:grpSpPr>
-      <p:sp>
-        <p:nvSpPr>
-          <p:cNvPr id="2" name="Title 1"/>
-          <p:cNvSpPr>
-            <a:spLocks noGrp="1"/>
-          </p:cNvSpPr>
-          <p:nvPr>
-            <p:ph type="title"/>
-          </p:nvPr>
-        </p:nvSpPr>
-        <p:spPr/>
-        <p:txBody>
-          <a:bodyPr/>
-          <a:lstStyle/>
-          <a:p>
-            <a:r>
-              <a:rPr lang="en-US" dirty="0" smtClean="0"/>
-              <a:t>Apps Objectives</a:t>
-            </a:r>
-            <a:endParaRPr lang="en-US" dirty="0"/>
-          </a:p>
-        </p:txBody>
-      </p:sp>
-      <p:sp>
-        <p:nvSpPr>
-          <p:cNvPr id="3" name="Content Placeholder 2"/>
-          <p:cNvSpPr>
-            <a:spLocks noGrp="1"/>
-          </p:cNvSpPr>
-          <p:nvPr>
-            <p:ph idx="1"/>
-          </p:nvPr>
-        </p:nvSpPr>
-        <p:spPr/>
-        <p:txBody>
-          <a:bodyPr/>
-          <a:lstStyle/>
-          <a:p>
-            <a:endParaRPr lang="en-US" dirty="0" smtClean="0"/>
-          </a:p>
-          <a:p>
-            <a:r>
-              <a:rPr lang="en-US" dirty="0" smtClean="0"/>
-              <a:t>View churning </a:t>
-            </a:r>
-            <a:r>
-              <a:rPr lang="en-US" smtClean="0"/>
-              <a:t>related </a:t>
-            </a:r>
-            <a:r>
-              <a:rPr lang="en-US" smtClean="0"/>
-              <a:t>statistics</a:t>
-            </a:r>
-          </a:p>
-          <a:p>
-            <a:r>
-              <a:rPr lang="en-US" smtClean="0"/>
-              <a:t>Predict </a:t>
-            </a:r>
-            <a:r>
-              <a:rPr lang="en-US" dirty="0" smtClean="0"/>
-              <a:t>future churn outcome given customer’s monthly </a:t>
-            </a:r>
-            <a:r>
-              <a:rPr lang="en-US" dirty="0" smtClean="0"/>
-              <a:t>usage</a:t>
-            </a:r>
-          </a:p>
-          <a:p>
-            <a:r>
-              <a:rPr lang="en-US" dirty="0" smtClean="0"/>
-              <a:t>Make appropriate recommendation (</a:t>
-            </a:r>
-            <a:r>
-              <a:rPr lang="en-US" dirty="0" err="1" smtClean="0"/>
-              <a:t>i.e</a:t>
-            </a:r>
-            <a:r>
-              <a:rPr lang="en-US" dirty="0" smtClean="0"/>
-              <a:t>: for high probability churning, give discount)</a:t>
-            </a:r>
-            <a:endParaRPr lang="en-US" dirty="0" smtClean="0"/>
-          </a:p>
-          <a:p>
-            <a:pPr marL="0" indent="0">
-              <a:buNone/>
-            </a:pPr>
-            <a:endParaRPr lang="en-US" dirty="0" smtClean="0"/>
-          </a:p>
-          <a:p>
-            <a:pPr marL="0" indent="0">
-              <a:buNone/>
-            </a:pPr>
-            <a:endParaRPr lang="en-US" dirty="0"/>
-          </a:p>
-        </p:txBody>
-      </p:sp>
-    </p:spTree>
-    <p:extLst>
-      <p:ext uri="{BB962C8B-B14F-4D97-AF65-F5344CB8AC3E}">
-        <p14:creationId xmlns:p14="http://schemas.microsoft.com/office/powerpoint/2010/main" val="885470002"/>
-      </p:ext>
-    </p:extLst>
-  </p:cSld>
-  <p:clrMapOvr>
-    <a:masterClrMapping/>
-  </p:clrMapOvr>
-  <p:timing>
-    <p:tnLst>
-      <p:par>
-        <p:cTn id="1" dur="indefinite" restart="never" nodeType="tmRoot">
-          <p:childTnLst>
-            <p:seq concurrent="1" nextAc="seek">
-              <p:cTn id="2" dur="indefinite" nodeType="mainSeq">
-                <p:childTnLst>
-                  <p:par>
-                    <p:cTn id="3" fill="hold">
-                      <p:stCondLst>
-                        <p:cond delay="indefinite"/>
-                      </p:stCondLst>
-                      <p:childTnLst>
-                        <p:par>
-                          <p:cTn id="4" fill="hold">
-                            <p:stCondLst>
-                              <p:cond delay="0"/>
-                            </p:stCondLst>
-                            <p:childTnLst>
-                              <p:par>
-                                <p:cTn id="5" presetID="9" presetClass="entr" presetSubtype="0" fill="hold" grpId="0" nodeType="clickEffect">
-                                  <p:stCondLst>
-                                    <p:cond delay="0"/>
-                                  </p:stCondLst>
-                                  <p:childTnLst>
-                                    <p:set>
-                                      <p:cBhvr>
-                                        <p:cTn id="6" dur="1" fill="hold">
-                                          <p:stCondLst>
-                                            <p:cond delay="0"/>
-                                          </p:stCondLst>
-                                        </p:cTn>
-                                        <p:tgtEl>
-                                          <p:spTgt spid="3">
-                                            <p:txEl>
-                                              <p:pRg st="1" end="1"/>
-                                            </p:txEl>
-                                          </p:spTgt>
-                                        </p:tgtEl>
-                                        <p:attrNameLst>
-                                          <p:attrName>style.visibility</p:attrName>
-                                        </p:attrNameLst>
-                                      </p:cBhvr>
-                                      <p:to>
-                                        <p:strVal val="visible"/>
-                                      </p:to>
-                                    </p:set>
-                                    <p:animEffect transition="in" filter="dissolve">
-                                      <p:cBhvr>
-                                        <p:cTn id="7" dur="500"/>
-                                        <p:tgtEl>
-                                          <p:spTgt spid="3">
-                                            <p:txEl>
-                                              <p:pRg st="1" end="1"/>
-                                            </p:txEl>
-                                          </p:spTgt>
-                                        </p:tgtEl>
-                                      </p:cBhvr>
-                                    </p:animEffect>
-                                  </p:childTnLst>
-                                </p:cTn>
-                              </p:par>
-                            </p:childTnLst>
-                          </p:cTn>
-                        </p:par>
-                      </p:childTnLst>
-                    </p:cTn>
-                  </p:par>
-                  <p:par>
-                    <p:cTn id="8" fill="hold">
-                      <p:stCondLst>
-                        <p:cond delay="indefinite"/>
-                      </p:stCondLst>
-                      <p:childTnLst>
-                        <p:par>
-                          <p:cTn id="9" fill="hold">
-                            <p:stCondLst>
-                              <p:cond delay="0"/>
-                            </p:stCondLst>
-                            <p:childTnLst>
-                              <p:par>
-                                <p:cTn id="10" presetID="9" presetClass="entr" presetSubtype="0" fill="hold" grpId="0" nodeType="clickEffect">
-                                  <p:stCondLst>
-                                    <p:cond delay="0"/>
-                                  </p:stCondLst>
-                                  <p:childTnLst>
-                                    <p:set>
-                                      <p:cBhvr>
-                                        <p:cTn id="11" dur="1" fill="hold">
-                                          <p:stCondLst>
-                                            <p:cond delay="0"/>
-                                          </p:stCondLst>
-                                        </p:cTn>
-                                        <p:tgtEl>
-                                          <p:spTgt spid="3">
-                                            <p:txEl>
-                                              <p:pRg st="2" end="2"/>
-                                            </p:txEl>
-                                          </p:spTgt>
-                                        </p:tgtEl>
-                                        <p:attrNameLst>
-                                          <p:attrName>style.visibility</p:attrName>
-                                        </p:attrNameLst>
-                                      </p:cBhvr>
-                                      <p:to>
-                                        <p:strVal val="visible"/>
-                                      </p:to>
-                                    </p:set>
-                                    <p:animEffect transition="in" filter="dissolve">
-                                      <p:cBhvr>
-                                        <p:cTn id="12" dur="500"/>
-                                        <p:tgtEl>
-                                          <p:spTgt spid="3">
-                                            <p:txEl>
-                                              <p:pRg st="2" end="2"/>
-                                            </p:txEl>
-                                          </p:spTgt>
-                                        </p:tgtEl>
-                                      </p:cBhvr>
-                                    </p:animEffect>
-                                  </p:childTnLst>
-                                </p:cTn>
-                              </p:par>
-                            </p:childTnLst>
-                          </p:cTn>
-                        </p:par>
-                      </p:childTnLst>
-                    </p:cTn>
-                  </p:par>
-                  <p:par>
-                    <p:cTn id="13" fill="hold">
-                      <p:stCondLst>
-                        <p:cond delay="indefinite"/>
-                      </p:stCondLst>
-                      <p:childTnLst>
-                        <p:par>
-                          <p:cTn id="14" fill="hold">
-                            <p:stCondLst>
-                              <p:cond delay="0"/>
-                            </p:stCondLst>
-                            <p:childTnLst>
-                              <p:par>
-                                <p:cTn id="15" presetID="9" presetClass="entr" presetSubtype="0" fill="hold" grpId="0" nodeType="clickEffect">
-                                  <p:stCondLst>
-                                    <p:cond delay="0"/>
-                                  </p:stCondLst>
-                                  <p:childTnLst>
-                                    <p:set>
-                                      <p:cBhvr>
-                                        <p:cTn id="16" dur="1" fill="hold">
-                                          <p:stCondLst>
-                                            <p:cond delay="0"/>
-                                          </p:stCondLst>
-                                        </p:cTn>
-                                        <p:tgtEl>
-                                          <p:spTgt spid="3">
-                                            <p:txEl>
-                                              <p:pRg st="3" end="3"/>
-                                            </p:txEl>
-                                          </p:spTgt>
-                                        </p:tgtEl>
-                                        <p:attrNameLst>
-                                          <p:attrName>style.visibility</p:attrName>
-                                        </p:attrNameLst>
-                                      </p:cBhvr>
-                                      <p:to>
-                                        <p:strVal val="visible"/>
-                                      </p:to>
-                                    </p:set>
-                                    <p:animEffect transition="in" filter="dissolve">
-                                      <p:cBhvr>
-                                        <p:cTn id="17" dur="500"/>
-                                        <p:tgtEl>
-                                          <p:spTgt spid="3">
-                                            <p:txEl>
-                                              <p:pRg st="3" end="3"/>
-                                            </p:txEl>
-                                          </p:spTgt>
-                                        </p:tgtEl>
-                                      </p:cBhvr>
-                                    </p:animEffect>
-                                  </p:childTnLst>
-                                </p:cTn>
-                              </p:par>
-                            </p:childTnLst>
-                          </p:cTn>
-                        </p:par>
-                      </p:childTnLst>
-                    </p:cTn>
-                  </p:par>
-                </p:childTnLst>
-              </p:cTn>
-              <p:prevCondLst>
-                <p:cond evt="onPrev" delay="0">
-                  <p:tgtEl>
-                    <p:sldTgt/>
-                  </p:tgtEl>
-                </p:cond>
-              </p:prevCondLst>
-              <p:nextCondLst>
-                <p:cond evt="onNext" delay="0">
-                  <p:tgtEl>
-                    <p:sldTgt/>
-                  </p:tgtEl>
-                </p:cond>
-              </p:nextCondLst>
-            </p:seq>
-          </p:childTnLst>
-        </p:cTn>
-      </p:par>
-    </p:tnLst>
-    <p:bldLst>
-      <p:bldP spid="3" grpId="0" build="p"/>
-    </p:bldLst>
   </p:timing>
 </p:sld>
 </file>
@@ -8169,7 +7920,9 @@
           </a:xfrm>
         </p:spPr>
         <p:txBody>
-          <a:bodyPr/>
+          <a:bodyPr>
+            <a:normAutofit fontScale="92500" lnSpcReduction="10000"/>
+          </a:bodyPr>
           <a:lstStyle/>
           <a:p>
             <a:pPr marL="0" indent="0">
@@ -8215,7 +7968,26 @@
             </a:r>
             <a:r>
               <a:rPr lang="en-US" dirty="0" smtClean="0"/>
-              <a:t>s $887,000 loss per year!</a:t>
+              <a:t>s $887,000 loss per year</a:t>
+            </a:r>
+            <a:r>
+              <a:rPr lang="en-US" dirty="0" smtClean="0"/>
+              <a:t>!</a:t>
+            </a:r>
+          </a:p>
+          <a:p>
+            <a:pPr marL="0" indent="0">
+              <a:buNone/>
+            </a:pPr>
+            <a:endParaRPr lang="en-US" dirty="0"/>
+          </a:p>
+          <a:p>
+            <a:pPr marL="0" indent="0">
+              <a:buNone/>
+            </a:pPr>
+            <a:r>
+              <a:rPr lang="en-US" dirty="0" smtClean="0"/>
+              <a:t>In theory, cost of finding new customer &gt; cost of retaining</a:t>
             </a:r>
             <a:endParaRPr lang="en-US" dirty="0"/>
           </a:p>
@@ -8503,6 +8275,94 @@
                       </p:childTnLst>
                     </p:cTn>
                   </p:par>
+                  <p:par>
+                    <p:cTn id="21" fill="hold">
+                      <p:stCondLst>
+                        <p:cond delay="indefinite"/>
+                      </p:stCondLst>
+                      <p:childTnLst>
+                        <p:par>
+                          <p:cTn id="22" fill="hold">
+                            <p:stCondLst>
+                              <p:cond delay="0"/>
+                            </p:stCondLst>
+                            <p:childTnLst>
+                              <p:par>
+                                <p:cTn id="23" presetID="12" presetClass="entr" presetSubtype="4" fill="hold" grpId="0" nodeType="clickEffect">
+                                  <p:stCondLst>
+                                    <p:cond delay="0"/>
+                                  </p:stCondLst>
+                                  <p:childTnLst>
+                                    <p:set>
+                                      <p:cBhvr>
+                                        <p:cTn id="24" dur="1" fill="hold">
+                                          <p:stCondLst>
+                                            <p:cond delay="0"/>
+                                          </p:stCondLst>
+                                        </p:cTn>
+                                        <p:tgtEl>
+                                          <p:spTgt spid="3">
+                                            <p:txEl>
+                                              <p:pRg st="6" end="6"/>
+                                            </p:txEl>
+                                          </p:spTgt>
+                                        </p:tgtEl>
+                                        <p:attrNameLst>
+                                          <p:attrName>style.visibility</p:attrName>
+                                        </p:attrNameLst>
+                                      </p:cBhvr>
+                                      <p:to>
+                                        <p:strVal val="visible"/>
+                                      </p:to>
+                                    </p:set>
+                                    <p:anim calcmode="lin" valueType="num">
+                                      <p:cBhvr additive="base">
+                                        <p:cTn id="25" dur="500"/>
+                                        <p:tgtEl>
+                                          <p:spTgt spid="3">
+                                            <p:txEl>
+                                              <p:pRg st="6" end="6"/>
+                                            </p:txEl>
+                                          </p:spTgt>
+                                        </p:tgtEl>
+                                        <p:attrNameLst>
+                                          <p:attrName>ppt_y</p:attrName>
+                                        </p:attrNameLst>
+                                      </p:cBhvr>
+                                      <p:tavLst>
+                                        <p:tav tm="0">
+                                          <p:val>
+                                            <p:strVal val="#ppt_y+#ppt_h*1.125000"/>
+                                          </p:val>
+                                        </p:tav>
+                                        <p:tav tm="100000">
+                                          <p:val>
+                                            <p:strVal val="#ppt_y"/>
+                                          </p:val>
+                                        </p:tav>
+                                      </p:tavLst>
+                                    </p:anim>
+                                    <p:animEffect transition="in" filter="wipe(up)">
+                                      <p:cBhvr>
+                                        <p:cTn id="26" dur="500"/>
+                                        <p:tgtEl>
+                                          <p:spTgt spid="3">
+                                            <p:txEl>
+                                              <p:pRg st="6" end="6"/>
+                                            </p:txEl>
+                                          </p:spTgt>
+                                        </p:tgtEl>
+                                      </p:cBhvr>
+                                    </p:animEffect>
+                                  </p:childTnLst>
+                                </p:cTn>
+                              </p:par>
+                            </p:childTnLst>
+                          </p:cTn>
+                        </p:par>
+                      </p:childTnLst>
+                    </p:cTn>
+                  </p:par>
                 </p:childTnLst>
               </p:cTn>
               <p:prevCondLst>
@@ -8565,6 +8425,325 @@
           <a:p>
             <a:r>
               <a:rPr lang="en-US" dirty="0" smtClean="0"/>
+              <a:t>Apps Objectives</a:t>
+            </a:r>
+            <a:endParaRPr lang="en-US" dirty="0"/>
+          </a:p>
+        </p:txBody>
+      </p:sp>
+      <p:sp>
+        <p:nvSpPr>
+          <p:cNvPr id="3" name="Content Placeholder 2"/>
+          <p:cNvSpPr>
+            <a:spLocks noGrp="1"/>
+          </p:cNvSpPr>
+          <p:nvPr>
+            <p:ph idx="1"/>
+          </p:nvPr>
+        </p:nvSpPr>
+        <p:spPr/>
+        <p:txBody>
+          <a:bodyPr/>
+          <a:lstStyle/>
+          <a:p>
+            <a:endParaRPr lang="en-US" dirty="0" smtClean="0"/>
+          </a:p>
+          <a:p>
+            <a:r>
+              <a:rPr lang="en-US" dirty="0" smtClean="0"/>
+              <a:t>View churning related statistics</a:t>
+            </a:r>
+          </a:p>
+          <a:p>
+            <a:r>
+              <a:rPr lang="en-US" dirty="0" smtClean="0"/>
+              <a:t>Predict future churn outcome given customer’s monthly usage</a:t>
+            </a:r>
+          </a:p>
+          <a:p>
+            <a:r>
+              <a:rPr lang="en-US" dirty="0" smtClean="0"/>
+              <a:t>For high churning probability, can do preventative measure -&gt; offer discount/promo</a:t>
+            </a:r>
+            <a:endParaRPr lang="en-US" dirty="0" smtClean="0"/>
+          </a:p>
+          <a:p>
+            <a:pPr marL="0" indent="0">
+              <a:buNone/>
+            </a:pPr>
+            <a:endParaRPr lang="en-US" dirty="0" smtClean="0"/>
+          </a:p>
+          <a:p>
+            <a:pPr marL="0" indent="0">
+              <a:buNone/>
+            </a:pPr>
+            <a:endParaRPr lang="en-US" dirty="0"/>
+          </a:p>
+        </p:txBody>
+      </p:sp>
+    </p:spTree>
+    <p:extLst>
+      <p:ext uri="{BB962C8B-B14F-4D97-AF65-F5344CB8AC3E}">
+        <p14:creationId xmlns:p14="http://schemas.microsoft.com/office/powerpoint/2010/main" val="885470002"/>
+      </p:ext>
+    </p:extLst>
+  </p:cSld>
+  <p:clrMapOvr>
+    <a:masterClrMapping/>
+  </p:clrMapOvr>
+  <p:timing>
+    <p:tnLst>
+      <p:par>
+        <p:cTn id="1" dur="indefinite" restart="never" nodeType="tmRoot">
+          <p:childTnLst>
+            <p:seq concurrent="1" nextAc="seek">
+              <p:cTn id="2" dur="indefinite" nodeType="mainSeq">
+                <p:childTnLst>
+                  <p:par>
+                    <p:cTn id="3" fill="hold">
+                      <p:stCondLst>
+                        <p:cond delay="indefinite"/>
+                      </p:stCondLst>
+                      <p:childTnLst>
+                        <p:par>
+                          <p:cTn id="4" fill="hold">
+                            <p:stCondLst>
+                              <p:cond delay="0"/>
+                            </p:stCondLst>
+                            <p:childTnLst>
+                              <p:par>
+                                <p:cTn id="5" presetID="9" presetClass="entr" presetSubtype="0" fill="hold" grpId="0" nodeType="clickEffect">
+                                  <p:stCondLst>
+                                    <p:cond delay="0"/>
+                                  </p:stCondLst>
+                                  <p:childTnLst>
+                                    <p:set>
+                                      <p:cBhvr>
+                                        <p:cTn id="6" dur="1" fill="hold">
+                                          <p:stCondLst>
+                                            <p:cond delay="0"/>
+                                          </p:stCondLst>
+                                        </p:cTn>
+                                        <p:tgtEl>
+                                          <p:spTgt spid="3">
+                                            <p:txEl>
+                                              <p:pRg st="1" end="1"/>
+                                            </p:txEl>
+                                          </p:spTgt>
+                                        </p:tgtEl>
+                                        <p:attrNameLst>
+                                          <p:attrName>style.visibility</p:attrName>
+                                        </p:attrNameLst>
+                                      </p:cBhvr>
+                                      <p:to>
+                                        <p:strVal val="visible"/>
+                                      </p:to>
+                                    </p:set>
+                                    <p:animEffect transition="in" filter="dissolve">
+                                      <p:cBhvr>
+                                        <p:cTn id="7" dur="500"/>
+                                        <p:tgtEl>
+                                          <p:spTgt spid="3">
+                                            <p:txEl>
+                                              <p:pRg st="1" end="1"/>
+                                            </p:txEl>
+                                          </p:spTgt>
+                                        </p:tgtEl>
+                                      </p:cBhvr>
+                                    </p:animEffect>
+                                  </p:childTnLst>
+                                </p:cTn>
+                              </p:par>
+                            </p:childTnLst>
+                          </p:cTn>
+                        </p:par>
+                      </p:childTnLst>
+                    </p:cTn>
+                  </p:par>
+                  <p:par>
+                    <p:cTn id="8" fill="hold">
+                      <p:stCondLst>
+                        <p:cond delay="indefinite"/>
+                      </p:stCondLst>
+                      <p:childTnLst>
+                        <p:par>
+                          <p:cTn id="9" fill="hold">
+                            <p:stCondLst>
+                              <p:cond delay="0"/>
+                            </p:stCondLst>
+                            <p:childTnLst>
+                              <p:par>
+                                <p:cTn id="10" presetID="9" presetClass="entr" presetSubtype="0" fill="hold" grpId="0" nodeType="clickEffect">
+                                  <p:stCondLst>
+                                    <p:cond delay="0"/>
+                                  </p:stCondLst>
+                                  <p:childTnLst>
+                                    <p:set>
+                                      <p:cBhvr>
+                                        <p:cTn id="11" dur="1" fill="hold">
+                                          <p:stCondLst>
+                                            <p:cond delay="0"/>
+                                          </p:stCondLst>
+                                        </p:cTn>
+                                        <p:tgtEl>
+                                          <p:spTgt spid="3">
+                                            <p:txEl>
+                                              <p:pRg st="2" end="2"/>
+                                            </p:txEl>
+                                          </p:spTgt>
+                                        </p:tgtEl>
+                                        <p:attrNameLst>
+                                          <p:attrName>style.visibility</p:attrName>
+                                        </p:attrNameLst>
+                                      </p:cBhvr>
+                                      <p:to>
+                                        <p:strVal val="visible"/>
+                                      </p:to>
+                                    </p:set>
+                                    <p:animEffect transition="in" filter="dissolve">
+                                      <p:cBhvr>
+                                        <p:cTn id="12" dur="500"/>
+                                        <p:tgtEl>
+                                          <p:spTgt spid="3">
+                                            <p:txEl>
+                                              <p:pRg st="2" end="2"/>
+                                            </p:txEl>
+                                          </p:spTgt>
+                                        </p:tgtEl>
+                                      </p:cBhvr>
+                                    </p:animEffect>
+                                  </p:childTnLst>
+                                </p:cTn>
+                              </p:par>
+                            </p:childTnLst>
+                          </p:cTn>
+                        </p:par>
+                      </p:childTnLst>
+                    </p:cTn>
+                  </p:par>
+                  <p:par>
+                    <p:cTn id="13" fill="hold">
+                      <p:stCondLst>
+                        <p:cond delay="indefinite"/>
+                      </p:stCondLst>
+                      <p:childTnLst>
+                        <p:par>
+                          <p:cTn id="14" fill="hold">
+                            <p:stCondLst>
+                              <p:cond delay="0"/>
+                            </p:stCondLst>
+                            <p:childTnLst>
+                              <p:par>
+                                <p:cTn id="15" presetID="9" presetClass="entr" presetSubtype="0" fill="hold" grpId="0" nodeType="clickEffect">
+                                  <p:stCondLst>
+                                    <p:cond delay="0"/>
+                                  </p:stCondLst>
+                                  <p:childTnLst>
+                                    <p:set>
+                                      <p:cBhvr>
+                                        <p:cTn id="16" dur="1" fill="hold">
+                                          <p:stCondLst>
+                                            <p:cond delay="0"/>
+                                          </p:stCondLst>
+                                        </p:cTn>
+                                        <p:tgtEl>
+                                          <p:spTgt spid="3">
+                                            <p:txEl>
+                                              <p:pRg st="3" end="3"/>
+                                            </p:txEl>
+                                          </p:spTgt>
+                                        </p:tgtEl>
+                                        <p:attrNameLst>
+                                          <p:attrName>style.visibility</p:attrName>
+                                        </p:attrNameLst>
+                                      </p:cBhvr>
+                                      <p:to>
+                                        <p:strVal val="visible"/>
+                                      </p:to>
+                                    </p:set>
+                                    <p:animEffect transition="in" filter="dissolve">
+                                      <p:cBhvr>
+                                        <p:cTn id="17" dur="500"/>
+                                        <p:tgtEl>
+                                          <p:spTgt spid="3">
+                                            <p:txEl>
+                                              <p:pRg st="3" end="3"/>
+                                            </p:txEl>
+                                          </p:spTgt>
+                                        </p:tgtEl>
+                                      </p:cBhvr>
+                                    </p:animEffect>
+                                  </p:childTnLst>
+                                </p:cTn>
+                              </p:par>
+                            </p:childTnLst>
+                          </p:cTn>
+                        </p:par>
+                      </p:childTnLst>
+                    </p:cTn>
+                  </p:par>
+                </p:childTnLst>
+              </p:cTn>
+              <p:prevCondLst>
+                <p:cond evt="onPrev" delay="0">
+                  <p:tgtEl>
+                    <p:sldTgt/>
+                  </p:tgtEl>
+                </p:cond>
+              </p:prevCondLst>
+              <p:nextCondLst>
+                <p:cond evt="onNext" delay="0">
+                  <p:tgtEl>
+                    <p:sldTgt/>
+                  </p:tgtEl>
+                </p:cond>
+              </p:nextCondLst>
+            </p:seq>
+          </p:childTnLst>
+        </p:cTn>
+      </p:par>
+    </p:tnLst>
+    <p:bldLst>
+      <p:bldP spid="3" grpId="0" build="p"/>
+    </p:bldLst>
+  </p:timing>
+</p:sld>
+</file>
+
+<file path=ppt/slides/slide9.xml><?xml version="1.0" encoding="utf-8"?>
+<p:sld xmlns:a="http://schemas.openxmlformats.org/drawingml/2006/main" xmlns:r="http://schemas.openxmlformats.org/officeDocument/2006/relationships" xmlns:p="http://schemas.openxmlformats.org/presentationml/2006/main">
+  <p:cSld>
+    <p:spTree>
+      <p:nvGrpSpPr>
+        <p:cNvPr id="1" name=""/>
+        <p:cNvGrpSpPr/>
+        <p:nvPr/>
+      </p:nvGrpSpPr>
+      <p:grpSpPr>
+        <a:xfrm>
+          <a:off x="0" y="0"/>
+          <a:ext cx="0" cy="0"/>
+          <a:chOff x="0" y="0"/>
+          <a:chExt cx="0" cy="0"/>
+        </a:xfrm>
+      </p:grpSpPr>
+      <p:sp>
+        <p:nvSpPr>
+          <p:cNvPr id="2" name="Title 1"/>
+          <p:cNvSpPr>
+            <a:spLocks noGrp="1"/>
+          </p:cNvSpPr>
+          <p:nvPr>
+            <p:ph type="title"/>
+          </p:nvPr>
+        </p:nvSpPr>
+        <p:spPr/>
+        <p:txBody>
+          <a:bodyPr/>
+          <a:lstStyle/>
+          <a:p>
+            <a:r>
+              <a:rPr lang="en-US" dirty="0" smtClean="0"/>
               <a:t>Home Page</a:t>
             </a:r>
             <a:endParaRPr lang="en-US" dirty="0"/>
@@ -8604,100 +8783,6 @@
     <p:extLst>
       <p:ext uri="{BB962C8B-B14F-4D97-AF65-F5344CB8AC3E}">
         <p14:creationId xmlns:p14="http://schemas.microsoft.com/office/powerpoint/2010/main" val="2127603757"/>
-      </p:ext>
-    </p:extLst>
-  </p:cSld>
-  <p:clrMapOvr>
-    <a:masterClrMapping/>
-  </p:clrMapOvr>
-  <p:timing>
-    <p:tnLst>
-      <p:par>
-        <p:cTn id="1" dur="indefinite" restart="never" nodeType="tmRoot"/>
-      </p:par>
-    </p:tnLst>
-  </p:timing>
-</p:sld>
-</file>
-
-<file path=ppt/slides/slide9.xml><?xml version="1.0" encoding="utf-8"?>
-<p:sld xmlns:a="http://schemas.openxmlformats.org/drawingml/2006/main" xmlns:r="http://schemas.openxmlformats.org/officeDocument/2006/relationships" xmlns:p="http://schemas.openxmlformats.org/presentationml/2006/main">
-  <p:cSld>
-    <p:spTree>
-      <p:nvGrpSpPr>
-        <p:cNvPr id="1" name=""/>
-        <p:cNvGrpSpPr/>
-        <p:nvPr/>
-      </p:nvGrpSpPr>
-      <p:grpSpPr>
-        <a:xfrm>
-          <a:off x="0" y="0"/>
-          <a:ext cx="0" cy="0"/>
-          <a:chOff x="0" y="0"/>
-          <a:chExt cx="0" cy="0"/>
-        </a:xfrm>
-      </p:grpSpPr>
-      <p:sp>
-        <p:nvSpPr>
-          <p:cNvPr id="2" name="Title 1"/>
-          <p:cNvSpPr>
-            <a:spLocks noGrp="1"/>
-          </p:cNvSpPr>
-          <p:nvPr>
-            <p:ph type="title"/>
-          </p:nvPr>
-        </p:nvSpPr>
-        <p:spPr>
-          <a:xfrm>
-            <a:off x="-1897518" y="351972"/>
-            <a:ext cx="10018713" cy="1752599"/>
-          </a:xfrm>
-        </p:spPr>
-        <p:txBody>
-          <a:bodyPr/>
-          <a:lstStyle/>
-          <a:p>
-            <a:r>
-              <a:rPr lang="en-US" dirty="0" smtClean="0"/>
-              <a:t>Statistic Page</a:t>
-            </a:r>
-            <a:endParaRPr lang="en-US" dirty="0"/>
-          </a:p>
-        </p:txBody>
-      </p:sp>
-      <p:pic>
-        <p:nvPicPr>
-          <p:cNvPr id="10" name="Content Placeholder 9"/>
-          <p:cNvPicPr>
-            <a:picLocks noGrp="1" noChangeAspect="1"/>
-          </p:cNvPicPr>
-          <p:nvPr>
-            <p:ph idx="1"/>
-          </p:nvPr>
-        </p:nvPicPr>
-        <p:blipFill>
-          <a:blip r:embed="rId2">
-            <a:extLst>
-              <a:ext uri="{28A0092B-C50C-407E-A947-70E740481C1C}">
-                <a14:useLocalDpi xmlns:a14="http://schemas.microsoft.com/office/drawing/2010/main" val="0"/>
-              </a:ext>
-            </a:extLst>
-          </a:blip>
-          <a:stretch>
-            <a:fillRect/>
-          </a:stretch>
-        </p:blipFill>
-        <p:spPr>
-          <a:xfrm>
-            <a:off x="5067005" y="351972"/>
-            <a:ext cx="6326258" cy="6371771"/>
-          </a:xfrm>
-        </p:spPr>
-      </p:pic>
-    </p:spTree>
-    <p:extLst>
-      <p:ext uri="{BB962C8B-B14F-4D97-AF65-F5344CB8AC3E}">
-        <p14:creationId xmlns:p14="http://schemas.microsoft.com/office/powerpoint/2010/main" val="838795744"/>
       </p:ext>
     </p:extLst>
   </p:cSld>

--- a/final_project.pptx
+++ b/final_project.pptx
@@ -12,12 +12,13 @@
     <p:sldId id="267" r:id="rId6"/>
     <p:sldId id="268" r:id="rId7"/>
     <p:sldId id="269" r:id="rId8"/>
-    <p:sldId id="270" r:id="rId9"/>
-    <p:sldId id="260" r:id="rId10"/>
-    <p:sldId id="261" r:id="rId11"/>
-    <p:sldId id="262" r:id="rId12"/>
-    <p:sldId id="263" r:id="rId13"/>
-    <p:sldId id="264" r:id="rId14"/>
+    <p:sldId id="260" r:id="rId9"/>
+    <p:sldId id="261" r:id="rId10"/>
+    <p:sldId id="262" r:id="rId11"/>
+    <p:sldId id="263" r:id="rId12"/>
+    <p:sldId id="264" r:id="rId13"/>
+    <p:sldId id="272" r:id="rId14"/>
+    <p:sldId id="271" r:id="rId15"/>
   </p:sldIdLst>
   <p:sldSz cx="12192000" cy="6858000"/>
   <p:notesSz cx="6858000" cy="9144000"/>
@@ -6252,100 +6253,6 @@
         </p:nvSpPr>
         <p:spPr>
           <a:xfrm>
-            <a:off x="-1897518" y="351972"/>
-            <a:ext cx="10018713" cy="1752599"/>
-          </a:xfrm>
-        </p:spPr>
-        <p:txBody>
-          <a:bodyPr/>
-          <a:lstStyle/>
-          <a:p>
-            <a:r>
-              <a:rPr lang="en-US" dirty="0" smtClean="0"/>
-              <a:t>Statistic Page</a:t>
-            </a:r>
-            <a:endParaRPr lang="en-US" dirty="0"/>
-          </a:p>
-        </p:txBody>
-      </p:sp>
-      <p:pic>
-        <p:nvPicPr>
-          <p:cNvPr id="10" name="Content Placeholder 9"/>
-          <p:cNvPicPr>
-            <a:picLocks noGrp="1" noChangeAspect="1"/>
-          </p:cNvPicPr>
-          <p:nvPr>
-            <p:ph idx="1"/>
-          </p:nvPr>
-        </p:nvPicPr>
-        <p:blipFill>
-          <a:blip r:embed="rId2">
-            <a:extLst>
-              <a:ext uri="{28A0092B-C50C-407E-A947-70E740481C1C}">
-                <a14:useLocalDpi xmlns:a14="http://schemas.microsoft.com/office/drawing/2010/main" val="0"/>
-              </a:ext>
-            </a:extLst>
-          </a:blip>
-          <a:stretch>
-            <a:fillRect/>
-          </a:stretch>
-        </p:blipFill>
-        <p:spPr>
-          <a:xfrm>
-            <a:off x="5067005" y="351972"/>
-            <a:ext cx="6326258" cy="6371771"/>
-          </a:xfrm>
-        </p:spPr>
-      </p:pic>
-    </p:spTree>
-    <p:extLst>
-      <p:ext uri="{BB962C8B-B14F-4D97-AF65-F5344CB8AC3E}">
-        <p14:creationId xmlns:p14="http://schemas.microsoft.com/office/powerpoint/2010/main" val="838795744"/>
-      </p:ext>
-    </p:extLst>
-  </p:cSld>
-  <p:clrMapOvr>
-    <a:masterClrMapping/>
-  </p:clrMapOvr>
-  <p:timing>
-    <p:tnLst>
-      <p:par>
-        <p:cTn id="1" dur="indefinite" restart="never" nodeType="tmRoot"/>
-      </p:par>
-    </p:tnLst>
-  </p:timing>
-</p:sld>
-</file>
-
-<file path=ppt/slides/slide11.xml><?xml version="1.0" encoding="utf-8"?>
-<p:sld xmlns:a="http://schemas.openxmlformats.org/drawingml/2006/main" xmlns:r="http://schemas.openxmlformats.org/officeDocument/2006/relationships" xmlns:p="http://schemas.openxmlformats.org/presentationml/2006/main">
-  <p:cSld>
-    <p:spTree>
-      <p:nvGrpSpPr>
-        <p:cNvPr id="1" name=""/>
-        <p:cNvGrpSpPr/>
-        <p:nvPr/>
-      </p:nvGrpSpPr>
-      <p:grpSpPr>
-        <a:xfrm>
-          <a:off x="0" y="0"/>
-          <a:ext cx="0" cy="0"/>
-          <a:chOff x="0" y="0"/>
-          <a:chExt cx="0" cy="0"/>
-        </a:xfrm>
-      </p:grpSpPr>
-      <p:sp>
-        <p:nvSpPr>
-          <p:cNvPr id="2" name="Title 1"/>
-          <p:cNvSpPr>
-            <a:spLocks noGrp="1"/>
-          </p:cNvSpPr>
-          <p:nvPr>
-            <p:ph type="title"/>
-          </p:nvPr>
-        </p:nvSpPr>
-        <p:spPr>
-          <a:xfrm>
             <a:off x="1098782" y="134257"/>
             <a:ext cx="10018713" cy="1752599"/>
           </a:xfrm>
@@ -6411,7 +6318,7 @@
 </p:sld>
 </file>
 
-<file path=ppt/slides/slide12.xml><?xml version="1.0" encoding="utf-8"?>
+<file path=ppt/slides/slide11.xml><?xml version="1.0" encoding="utf-8"?>
 <p:sld xmlns:a="http://schemas.openxmlformats.org/drawingml/2006/main" xmlns:r="http://schemas.openxmlformats.org/officeDocument/2006/relationships" xmlns:p="http://schemas.openxmlformats.org/presentationml/2006/main">
   <p:cSld>
     <p:spTree>
@@ -6496,7 +6403,7 @@
 </p:sld>
 </file>
 
-<file path=ppt/slides/slide13.xml><?xml version="1.0" encoding="utf-8"?>
+<file path=ppt/slides/slide12.xml><?xml version="1.0" encoding="utf-8"?>
 <p:sld xmlns:a="http://schemas.openxmlformats.org/drawingml/2006/main" xmlns:r="http://schemas.openxmlformats.org/officeDocument/2006/relationships" xmlns:p="http://schemas.openxmlformats.org/presentationml/2006/main">
   <p:cSld>
     <p:spTree>
@@ -6574,6 +6481,327 @@
     <p:extLst>
       <p:ext uri="{BB962C8B-B14F-4D97-AF65-F5344CB8AC3E}">
         <p14:creationId xmlns:p14="http://schemas.microsoft.com/office/powerpoint/2010/main" val="441334839"/>
+      </p:ext>
+    </p:extLst>
+  </p:cSld>
+  <p:clrMapOvr>
+    <a:masterClrMapping/>
+  </p:clrMapOvr>
+  <p:timing>
+    <p:tnLst>
+      <p:par>
+        <p:cTn id="1" dur="indefinite" restart="never" nodeType="tmRoot"/>
+      </p:par>
+    </p:tnLst>
+  </p:timing>
+</p:sld>
+</file>
+
+<file path=ppt/slides/slide13.xml><?xml version="1.0" encoding="utf-8"?>
+<p:sld xmlns:a="http://schemas.openxmlformats.org/drawingml/2006/main" xmlns:r="http://schemas.openxmlformats.org/officeDocument/2006/relationships" xmlns:p="http://schemas.openxmlformats.org/presentationml/2006/main">
+  <p:cSld>
+    <p:spTree>
+      <p:nvGrpSpPr>
+        <p:cNvPr id="1" name=""/>
+        <p:cNvGrpSpPr/>
+        <p:nvPr/>
+      </p:nvGrpSpPr>
+      <p:grpSpPr>
+        <a:xfrm>
+          <a:off x="0" y="0"/>
+          <a:ext cx="0" cy="0"/>
+          <a:chOff x="0" y="0"/>
+          <a:chExt cx="0" cy="0"/>
+        </a:xfrm>
+      </p:grpSpPr>
+      <p:sp>
+        <p:nvSpPr>
+          <p:cNvPr id="2" name="Title 1"/>
+          <p:cNvSpPr>
+            <a:spLocks noGrp="1"/>
+          </p:cNvSpPr>
+          <p:nvPr>
+            <p:ph type="title"/>
+          </p:nvPr>
+        </p:nvSpPr>
+        <p:spPr/>
+        <p:txBody>
+          <a:bodyPr/>
+          <a:lstStyle/>
+          <a:p>
+            <a:r>
+              <a:rPr lang="en-US" dirty="0" smtClean="0"/>
+              <a:t>Apps </a:t>
+            </a:r>
+            <a:r>
+              <a:rPr lang="en-US" dirty="0" smtClean="0"/>
+              <a:t>Objectives for Companies</a:t>
+            </a:r>
+            <a:endParaRPr lang="en-US" dirty="0"/>
+          </a:p>
+        </p:txBody>
+      </p:sp>
+      <p:sp>
+        <p:nvSpPr>
+          <p:cNvPr id="3" name="Content Placeholder 2"/>
+          <p:cNvSpPr>
+            <a:spLocks noGrp="1"/>
+          </p:cNvSpPr>
+          <p:nvPr>
+            <p:ph idx="1"/>
+          </p:nvPr>
+        </p:nvSpPr>
+        <p:spPr/>
+        <p:txBody>
+          <a:bodyPr/>
+          <a:lstStyle/>
+          <a:p>
+            <a:endParaRPr lang="en-US" dirty="0" smtClean="0"/>
+          </a:p>
+          <a:p>
+            <a:r>
+              <a:rPr lang="en-US" dirty="0" smtClean="0"/>
+              <a:t>Find member with high probability of churning</a:t>
+            </a:r>
+          </a:p>
+          <a:p>
+            <a:r>
+              <a:rPr lang="en-US" dirty="0" smtClean="0"/>
+              <a:t>Make business decision -&gt; try to retain high probability churning or find new customer</a:t>
+            </a:r>
+            <a:endParaRPr lang="en-US" dirty="0" smtClean="0"/>
+          </a:p>
+          <a:p>
+            <a:pPr marL="0" indent="0">
+              <a:buNone/>
+            </a:pPr>
+            <a:endParaRPr lang="en-US" dirty="0" smtClean="0"/>
+          </a:p>
+          <a:p>
+            <a:pPr marL="0" indent="0">
+              <a:buNone/>
+            </a:pPr>
+            <a:endParaRPr lang="en-US" dirty="0"/>
+          </a:p>
+        </p:txBody>
+      </p:sp>
+    </p:spTree>
+    <p:extLst>
+      <p:ext uri="{BB962C8B-B14F-4D97-AF65-F5344CB8AC3E}">
+        <p14:creationId xmlns:p14="http://schemas.microsoft.com/office/powerpoint/2010/main" val="1229721194"/>
+      </p:ext>
+    </p:extLst>
+  </p:cSld>
+  <p:clrMapOvr>
+    <a:masterClrMapping/>
+  </p:clrMapOvr>
+  <p:timing>
+    <p:tnLst>
+      <p:par>
+        <p:cTn id="1" dur="indefinite" restart="never" nodeType="tmRoot">
+          <p:childTnLst>
+            <p:seq concurrent="1" nextAc="seek">
+              <p:cTn id="2" dur="indefinite" nodeType="mainSeq">
+                <p:childTnLst>
+                  <p:par>
+                    <p:cTn id="3" fill="hold">
+                      <p:stCondLst>
+                        <p:cond delay="indefinite"/>
+                      </p:stCondLst>
+                      <p:childTnLst>
+                        <p:par>
+                          <p:cTn id="4" fill="hold">
+                            <p:stCondLst>
+                              <p:cond delay="0"/>
+                            </p:stCondLst>
+                            <p:childTnLst>
+                              <p:par>
+                                <p:cTn id="5" presetID="9" presetClass="entr" presetSubtype="0" fill="hold" grpId="0" nodeType="clickEffect">
+                                  <p:stCondLst>
+                                    <p:cond delay="0"/>
+                                  </p:stCondLst>
+                                  <p:childTnLst>
+                                    <p:set>
+                                      <p:cBhvr>
+                                        <p:cTn id="6" dur="1" fill="hold">
+                                          <p:stCondLst>
+                                            <p:cond delay="0"/>
+                                          </p:stCondLst>
+                                        </p:cTn>
+                                        <p:tgtEl>
+                                          <p:spTgt spid="3">
+                                            <p:txEl>
+                                              <p:pRg st="1" end="1"/>
+                                            </p:txEl>
+                                          </p:spTgt>
+                                        </p:tgtEl>
+                                        <p:attrNameLst>
+                                          <p:attrName>style.visibility</p:attrName>
+                                        </p:attrNameLst>
+                                      </p:cBhvr>
+                                      <p:to>
+                                        <p:strVal val="visible"/>
+                                      </p:to>
+                                    </p:set>
+                                    <p:animEffect transition="in" filter="dissolve">
+                                      <p:cBhvr>
+                                        <p:cTn id="7" dur="500"/>
+                                        <p:tgtEl>
+                                          <p:spTgt spid="3">
+                                            <p:txEl>
+                                              <p:pRg st="1" end="1"/>
+                                            </p:txEl>
+                                          </p:spTgt>
+                                        </p:tgtEl>
+                                      </p:cBhvr>
+                                    </p:animEffect>
+                                  </p:childTnLst>
+                                </p:cTn>
+                              </p:par>
+                            </p:childTnLst>
+                          </p:cTn>
+                        </p:par>
+                      </p:childTnLst>
+                    </p:cTn>
+                  </p:par>
+                  <p:par>
+                    <p:cTn id="8" fill="hold">
+                      <p:stCondLst>
+                        <p:cond delay="indefinite"/>
+                      </p:stCondLst>
+                      <p:childTnLst>
+                        <p:par>
+                          <p:cTn id="9" fill="hold">
+                            <p:stCondLst>
+                              <p:cond delay="0"/>
+                            </p:stCondLst>
+                            <p:childTnLst>
+                              <p:par>
+                                <p:cTn id="10" presetID="9" presetClass="entr" presetSubtype="0" fill="hold" grpId="0" nodeType="clickEffect">
+                                  <p:stCondLst>
+                                    <p:cond delay="0"/>
+                                  </p:stCondLst>
+                                  <p:childTnLst>
+                                    <p:set>
+                                      <p:cBhvr>
+                                        <p:cTn id="11" dur="1" fill="hold">
+                                          <p:stCondLst>
+                                            <p:cond delay="0"/>
+                                          </p:stCondLst>
+                                        </p:cTn>
+                                        <p:tgtEl>
+                                          <p:spTgt spid="3">
+                                            <p:txEl>
+                                              <p:pRg st="2" end="2"/>
+                                            </p:txEl>
+                                          </p:spTgt>
+                                        </p:tgtEl>
+                                        <p:attrNameLst>
+                                          <p:attrName>style.visibility</p:attrName>
+                                        </p:attrNameLst>
+                                      </p:cBhvr>
+                                      <p:to>
+                                        <p:strVal val="visible"/>
+                                      </p:to>
+                                    </p:set>
+                                    <p:animEffect transition="in" filter="dissolve">
+                                      <p:cBhvr>
+                                        <p:cTn id="12" dur="500"/>
+                                        <p:tgtEl>
+                                          <p:spTgt spid="3">
+                                            <p:txEl>
+                                              <p:pRg st="2" end="2"/>
+                                            </p:txEl>
+                                          </p:spTgt>
+                                        </p:tgtEl>
+                                      </p:cBhvr>
+                                    </p:animEffect>
+                                  </p:childTnLst>
+                                </p:cTn>
+                              </p:par>
+                            </p:childTnLst>
+                          </p:cTn>
+                        </p:par>
+                      </p:childTnLst>
+                    </p:cTn>
+                  </p:par>
+                </p:childTnLst>
+              </p:cTn>
+              <p:prevCondLst>
+                <p:cond evt="onPrev" delay="0">
+                  <p:tgtEl>
+                    <p:sldTgt/>
+                  </p:tgtEl>
+                </p:cond>
+              </p:prevCondLst>
+              <p:nextCondLst>
+                <p:cond evt="onNext" delay="0">
+                  <p:tgtEl>
+                    <p:sldTgt/>
+                  </p:tgtEl>
+                </p:cond>
+              </p:nextCondLst>
+            </p:seq>
+          </p:childTnLst>
+        </p:cTn>
+      </p:par>
+    </p:tnLst>
+    <p:bldLst>
+      <p:bldP spid="3" grpId="0" build="p"/>
+    </p:bldLst>
+  </p:timing>
+</p:sld>
+</file>
+
+<file path=ppt/slides/slide14.xml><?xml version="1.0" encoding="utf-8"?>
+<p:sld xmlns:a="http://schemas.openxmlformats.org/drawingml/2006/main" xmlns:r="http://schemas.openxmlformats.org/officeDocument/2006/relationships" xmlns:p="http://schemas.openxmlformats.org/presentationml/2006/main">
+  <p:cSld>
+    <p:spTree>
+      <p:nvGrpSpPr>
+        <p:cNvPr id="1" name=""/>
+        <p:cNvGrpSpPr/>
+        <p:nvPr/>
+      </p:nvGrpSpPr>
+      <p:grpSpPr>
+        <a:xfrm>
+          <a:off x="0" y="0"/>
+          <a:ext cx="0" cy="0"/>
+          <a:chOff x="0" y="0"/>
+          <a:chExt cx="0" cy="0"/>
+        </a:xfrm>
+      </p:grpSpPr>
+      <p:sp>
+        <p:nvSpPr>
+          <p:cNvPr id="2" name="Title 1"/>
+          <p:cNvSpPr>
+            <a:spLocks noGrp="1"/>
+          </p:cNvSpPr>
+          <p:nvPr>
+            <p:ph type="title"/>
+          </p:nvPr>
+        </p:nvSpPr>
+        <p:spPr>
+          <a:xfrm>
+            <a:off x="1484311" y="2151742"/>
+            <a:ext cx="10018713" cy="1752599"/>
+          </a:xfrm>
+        </p:spPr>
+        <p:txBody>
+          <a:bodyPr/>
+          <a:lstStyle/>
+          <a:p>
+            <a:r>
+              <a:rPr lang="en-US" dirty="0" smtClean="0"/>
+              <a:t>Thank you</a:t>
+            </a:r>
+            <a:endParaRPr lang="en-US" dirty="0"/>
+          </a:p>
+        </p:txBody>
+      </p:sp>
+    </p:spTree>
+    <p:extLst>
+      <p:ext uri="{BB962C8B-B14F-4D97-AF65-F5344CB8AC3E}">
+        <p14:creationId xmlns:p14="http://schemas.microsoft.com/office/powerpoint/2010/main" val="266711694"/>
       </p:ext>
     </p:extLst>
   </p:cSld>
@@ -8425,325 +8653,6 @@
           <a:p>
             <a:r>
               <a:rPr lang="en-US" dirty="0" smtClean="0"/>
-              <a:t>Apps Objectives</a:t>
-            </a:r>
-            <a:endParaRPr lang="en-US" dirty="0"/>
-          </a:p>
-        </p:txBody>
-      </p:sp>
-      <p:sp>
-        <p:nvSpPr>
-          <p:cNvPr id="3" name="Content Placeholder 2"/>
-          <p:cNvSpPr>
-            <a:spLocks noGrp="1"/>
-          </p:cNvSpPr>
-          <p:nvPr>
-            <p:ph idx="1"/>
-          </p:nvPr>
-        </p:nvSpPr>
-        <p:spPr/>
-        <p:txBody>
-          <a:bodyPr/>
-          <a:lstStyle/>
-          <a:p>
-            <a:endParaRPr lang="en-US" dirty="0" smtClean="0"/>
-          </a:p>
-          <a:p>
-            <a:r>
-              <a:rPr lang="en-US" dirty="0" smtClean="0"/>
-              <a:t>View churning related statistics</a:t>
-            </a:r>
-          </a:p>
-          <a:p>
-            <a:r>
-              <a:rPr lang="en-US" dirty="0" smtClean="0"/>
-              <a:t>Predict future churn outcome given customer’s monthly usage</a:t>
-            </a:r>
-          </a:p>
-          <a:p>
-            <a:r>
-              <a:rPr lang="en-US" dirty="0" smtClean="0"/>
-              <a:t>For high churning probability, can do preventative measure -&gt; offer discount/promo</a:t>
-            </a:r>
-            <a:endParaRPr lang="en-US" dirty="0" smtClean="0"/>
-          </a:p>
-          <a:p>
-            <a:pPr marL="0" indent="0">
-              <a:buNone/>
-            </a:pPr>
-            <a:endParaRPr lang="en-US" dirty="0" smtClean="0"/>
-          </a:p>
-          <a:p>
-            <a:pPr marL="0" indent="0">
-              <a:buNone/>
-            </a:pPr>
-            <a:endParaRPr lang="en-US" dirty="0"/>
-          </a:p>
-        </p:txBody>
-      </p:sp>
-    </p:spTree>
-    <p:extLst>
-      <p:ext uri="{BB962C8B-B14F-4D97-AF65-F5344CB8AC3E}">
-        <p14:creationId xmlns:p14="http://schemas.microsoft.com/office/powerpoint/2010/main" val="885470002"/>
-      </p:ext>
-    </p:extLst>
-  </p:cSld>
-  <p:clrMapOvr>
-    <a:masterClrMapping/>
-  </p:clrMapOvr>
-  <p:timing>
-    <p:tnLst>
-      <p:par>
-        <p:cTn id="1" dur="indefinite" restart="never" nodeType="tmRoot">
-          <p:childTnLst>
-            <p:seq concurrent="1" nextAc="seek">
-              <p:cTn id="2" dur="indefinite" nodeType="mainSeq">
-                <p:childTnLst>
-                  <p:par>
-                    <p:cTn id="3" fill="hold">
-                      <p:stCondLst>
-                        <p:cond delay="indefinite"/>
-                      </p:stCondLst>
-                      <p:childTnLst>
-                        <p:par>
-                          <p:cTn id="4" fill="hold">
-                            <p:stCondLst>
-                              <p:cond delay="0"/>
-                            </p:stCondLst>
-                            <p:childTnLst>
-                              <p:par>
-                                <p:cTn id="5" presetID="9" presetClass="entr" presetSubtype="0" fill="hold" grpId="0" nodeType="clickEffect">
-                                  <p:stCondLst>
-                                    <p:cond delay="0"/>
-                                  </p:stCondLst>
-                                  <p:childTnLst>
-                                    <p:set>
-                                      <p:cBhvr>
-                                        <p:cTn id="6" dur="1" fill="hold">
-                                          <p:stCondLst>
-                                            <p:cond delay="0"/>
-                                          </p:stCondLst>
-                                        </p:cTn>
-                                        <p:tgtEl>
-                                          <p:spTgt spid="3">
-                                            <p:txEl>
-                                              <p:pRg st="1" end="1"/>
-                                            </p:txEl>
-                                          </p:spTgt>
-                                        </p:tgtEl>
-                                        <p:attrNameLst>
-                                          <p:attrName>style.visibility</p:attrName>
-                                        </p:attrNameLst>
-                                      </p:cBhvr>
-                                      <p:to>
-                                        <p:strVal val="visible"/>
-                                      </p:to>
-                                    </p:set>
-                                    <p:animEffect transition="in" filter="dissolve">
-                                      <p:cBhvr>
-                                        <p:cTn id="7" dur="500"/>
-                                        <p:tgtEl>
-                                          <p:spTgt spid="3">
-                                            <p:txEl>
-                                              <p:pRg st="1" end="1"/>
-                                            </p:txEl>
-                                          </p:spTgt>
-                                        </p:tgtEl>
-                                      </p:cBhvr>
-                                    </p:animEffect>
-                                  </p:childTnLst>
-                                </p:cTn>
-                              </p:par>
-                            </p:childTnLst>
-                          </p:cTn>
-                        </p:par>
-                      </p:childTnLst>
-                    </p:cTn>
-                  </p:par>
-                  <p:par>
-                    <p:cTn id="8" fill="hold">
-                      <p:stCondLst>
-                        <p:cond delay="indefinite"/>
-                      </p:stCondLst>
-                      <p:childTnLst>
-                        <p:par>
-                          <p:cTn id="9" fill="hold">
-                            <p:stCondLst>
-                              <p:cond delay="0"/>
-                            </p:stCondLst>
-                            <p:childTnLst>
-                              <p:par>
-                                <p:cTn id="10" presetID="9" presetClass="entr" presetSubtype="0" fill="hold" grpId="0" nodeType="clickEffect">
-                                  <p:stCondLst>
-                                    <p:cond delay="0"/>
-                                  </p:stCondLst>
-                                  <p:childTnLst>
-                                    <p:set>
-                                      <p:cBhvr>
-                                        <p:cTn id="11" dur="1" fill="hold">
-                                          <p:stCondLst>
-                                            <p:cond delay="0"/>
-                                          </p:stCondLst>
-                                        </p:cTn>
-                                        <p:tgtEl>
-                                          <p:spTgt spid="3">
-                                            <p:txEl>
-                                              <p:pRg st="2" end="2"/>
-                                            </p:txEl>
-                                          </p:spTgt>
-                                        </p:tgtEl>
-                                        <p:attrNameLst>
-                                          <p:attrName>style.visibility</p:attrName>
-                                        </p:attrNameLst>
-                                      </p:cBhvr>
-                                      <p:to>
-                                        <p:strVal val="visible"/>
-                                      </p:to>
-                                    </p:set>
-                                    <p:animEffect transition="in" filter="dissolve">
-                                      <p:cBhvr>
-                                        <p:cTn id="12" dur="500"/>
-                                        <p:tgtEl>
-                                          <p:spTgt spid="3">
-                                            <p:txEl>
-                                              <p:pRg st="2" end="2"/>
-                                            </p:txEl>
-                                          </p:spTgt>
-                                        </p:tgtEl>
-                                      </p:cBhvr>
-                                    </p:animEffect>
-                                  </p:childTnLst>
-                                </p:cTn>
-                              </p:par>
-                            </p:childTnLst>
-                          </p:cTn>
-                        </p:par>
-                      </p:childTnLst>
-                    </p:cTn>
-                  </p:par>
-                  <p:par>
-                    <p:cTn id="13" fill="hold">
-                      <p:stCondLst>
-                        <p:cond delay="indefinite"/>
-                      </p:stCondLst>
-                      <p:childTnLst>
-                        <p:par>
-                          <p:cTn id="14" fill="hold">
-                            <p:stCondLst>
-                              <p:cond delay="0"/>
-                            </p:stCondLst>
-                            <p:childTnLst>
-                              <p:par>
-                                <p:cTn id="15" presetID="9" presetClass="entr" presetSubtype="0" fill="hold" grpId="0" nodeType="clickEffect">
-                                  <p:stCondLst>
-                                    <p:cond delay="0"/>
-                                  </p:stCondLst>
-                                  <p:childTnLst>
-                                    <p:set>
-                                      <p:cBhvr>
-                                        <p:cTn id="16" dur="1" fill="hold">
-                                          <p:stCondLst>
-                                            <p:cond delay="0"/>
-                                          </p:stCondLst>
-                                        </p:cTn>
-                                        <p:tgtEl>
-                                          <p:spTgt spid="3">
-                                            <p:txEl>
-                                              <p:pRg st="3" end="3"/>
-                                            </p:txEl>
-                                          </p:spTgt>
-                                        </p:tgtEl>
-                                        <p:attrNameLst>
-                                          <p:attrName>style.visibility</p:attrName>
-                                        </p:attrNameLst>
-                                      </p:cBhvr>
-                                      <p:to>
-                                        <p:strVal val="visible"/>
-                                      </p:to>
-                                    </p:set>
-                                    <p:animEffect transition="in" filter="dissolve">
-                                      <p:cBhvr>
-                                        <p:cTn id="17" dur="500"/>
-                                        <p:tgtEl>
-                                          <p:spTgt spid="3">
-                                            <p:txEl>
-                                              <p:pRg st="3" end="3"/>
-                                            </p:txEl>
-                                          </p:spTgt>
-                                        </p:tgtEl>
-                                      </p:cBhvr>
-                                    </p:animEffect>
-                                  </p:childTnLst>
-                                </p:cTn>
-                              </p:par>
-                            </p:childTnLst>
-                          </p:cTn>
-                        </p:par>
-                      </p:childTnLst>
-                    </p:cTn>
-                  </p:par>
-                </p:childTnLst>
-              </p:cTn>
-              <p:prevCondLst>
-                <p:cond evt="onPrev" delay="0">
-                  <p:tgtEl>
-                    <p:sldTgt/>
-                  </p:tgtEl>
-                </p:cond>
-              </p:prevCondLst>
-              <p:nextCondLst>
-                <p:cond evt="onNext" delay="0">
-                  <p:tgtEl>
-                    <p:sldTgt/>
-                  </p:tgtEl>
-                </p:cond>
-              </p:nextCondLst>
-            </p:seq>
-          </p:childTnLst>
-        </p:cTn>
-      </p:par>
-    </p:tnLst>
-    <p:bldLst>
-      <p:bldP spid="3" grpId="0" build="p"/>
-    </p:bldLst>
-  </p:timing>
-</p:sld>
-</file>
-
-<file path=ppt/slides/slide9.xml><?xml version="1.0" encoding="utf-8"?>
-<p:sld xmlns:a="http://schemas.openxmlformats.org/drawingml/2006/main" xmlns:r="http://schemas.openxmlformats.org/officeDocument/2006/relationships" xmlns:p="http://schemas.openxmlformats.org/presentationml/2006/main">
-  <p:cSld>
-    <p:spTree>
-      <p:nvGrpSpPr>
-        <p:cNvPr id="1" name=""/>
-        <p:cNvGrpSpPr/>
-        <p:nvPr/>
-      </p:nvGrpSpPr>
-      <p:grpSpPr>
-        <a:xfrm>
-          <a:off x="0" y="0"/>
-          <a:ext cx="0" cy="0"/>
-          <a:chOff x="0" y="0"/>
-          <a:chExt cx="0" cy="0"/>
-        </a:xfrm>
-      </p:grpSpPr>
-      <p:sp>
-        <p:nvSpPr>
-          <p:cNvPr id="2" name="Title 1"/>
-          <p:cNvSpPr>
-            <a:spLocks noGrp="1"/>
-          </p:cNvSpPr>
-          <p:nvPr>
-            <p:ph type="title"/>
-          </p:nvPr>
-        </p:nvSpPr>
-        <p:spPr/>
-        <p:txBody>
-          <a:bodyPr/>
-          <a:lstStyle/>
-          <a:p>
-            <a:r>
-              <a:rPr lang="en-US" dirty="0" smtClean="0"/>
               <a:t>Home Page</a:t>
             </a:r>
             <a:endParaRPr lang="en-US" dirty="0"/>
@@ -8783,6 +8692,100 @@
     <p:extLst>
       <p:ext uri="{BB962C8B-B14F-4D97-AF65-F5344CB8AC3E}">
         <p14:creationId xmlns:p14="http://schemas.microsoft.com/office/powerpoint/2010/main" val="2127603757"/>
+      </p:ext>
+    </p:extLst>
+  </p:cSld>
+  <p:clrMapOvr>
+    <a:masterClrMapping/>
+  </p:clrMapOvr>
+  <p:timing>
+    <p:tnLst>
+      <p:par>
+        <p:cTn id="1" dur="indefinite" restart="never" nodeType="tmRoot"/>
+      </p:par>
+    </p:tnLst>
+  </p:timing>
+</p:sld>
+</file>
+
+<file path=ppt/slides/slide9.xml><?xml version="1.0" encoding="utf-8"?>
+<p:sld xmlns:a="http://schemas.openxmlformats.org/drawingml/2006/main" xmlns:r="http://schemas.openxmlformats.org/officeDocument/2006/relationships" xmlns:p="http://schemas.openxmlformats.org/presentationml/2006/main">
+  <p:cSld>
+    <p:spTree>
+      <p:nvGrpSpPr>
+        <p:cNvPr id="1" name=""/>
+        <p:cNvGrpSpPr/>
+        <p:nvPr/>
+      </p:nvGrpSpPr>
+      <p:grpSpPr>
+        <a:xfrm>
+          <a:off x="0" y="0"/>
+          <a:ext cx="0" cy="0"/>
+          <a:chOff x="0" y="0"/>
+          <a:chExt cx="0" cy="0"/>
+        </a:xfrm>
+      </p:grpSpPr>
+      <p:sp>
+        <p:nvSpPr>
+          <p:cNvPr id="2" name="Title 1"/>
+          <p:cNvSpPr>
+            <a:spLocks noGrp="1"/>
+          </p:cNvSpPr>
+          <p:nvPr>
+            <p:ph type="title"/>
+          </p:nvPr>
+        </p:nvSpPr>
+        <p:spPr>
+          <a:xfrm>
+            <a:off x="-1897518" y="351972"/>
+            <a:ext cx="10018713" cy="1752599"/>
+          </a:xfrm>
+        </p:spPr>
+        <p:txBody>
+          <a:bodyPr/>
+          <a:lstStyle/>
+          <a:p>
+            <a:r>
+              <a:rPr lang="en-US" dirty="0" smtClean="0"/>
+              <a:t>Statistic Page</a:t>
+            </a:r>
+            <a:endParaRPr lang="en-US" dirty="0"/>
+          </a:p>
+        </p:txBody>
+      </p:sp>
+      <p:pic>
+        <p:nvPicPr>
+          <p:cNvPr id="10" name="Content Placeholder 9"/>
+          <p:cNvPicPr>
+            <a:picLocks noGrp="1" noChangeAspect="1"/>
+          </p:cNvPicPr>
+          <p:nvPr>
+            <p:ph idx="1"/>
+          </p:nvPr>
+        </p:nvPicPr>
+        <p:blipFill>
+          <a:blip r:embed="rId2">
+            <a:extLst>
+              <a:ext uri="{28A0092B-C50C-407E-A947-70E740481C1C}">
+                <a14:useLocalDpi xmlns:a14="http://schemas.microsoft.com/office/drawing/2010/main" val="0"/>
+              </a:ext>
+            </a:extLst>
+          </a:blip>
+          <a:stretch>
+            <a:fillRect/>
+          </a:stretch>
+        </p:blipFill>
+        <p:spPr>
+          <a:xfrm>
+            <a:off x="5067005" y="351972"/>
+            <a:ext cx="6326258" cy="6371771"/>
+          </a:xfrm>
+        </p:spPr>
+      </p:pic>
+    </p:spTree>
+    <p:extLst>
+      <p:ext uri="{BB962C8B-B14F-4D97-AF65-F5344CB8AC3E}">
+        <p14:creationId xmlns:p14="http://schemas.microsoft.com/office/powerpoint/2010/main" val="838795744"/>
       </p:ext>
     </p:extLst>
   </p:cSld>
